--- a/Grafiken/workflow_to_df.pptx
+++ b/Grafiken/workflow_to_df.pptx
@@ -11,14 +11,14 @@
     <p:sldId id="256" r:id="rId2"/>
     <p:sldId id="257" r:id="rId3"/>
   </p:sldIdLst>
-  <p:sldSz cx="9144000" cy="6858000" type="screen4x3"/>
+  <p:sldSz cx="12801600" cy="9601200" type="A3"/>
   <p:notesSz cx="6858000" cy="9144000"/>
   <p:defaultTextStyle>
     <a:defPPr>
       <a:defRPr lang="de-DE"/>
     </a:defPPr>
-    <a:lvl1pPr marL="0" algn="l" defTabSz="914400" rtl="0" eaLnBrk="1" latinLnBrk="0" hangingPunct="1">
-      <a:defRPr sz="1800" kern="1200">
+    <a:lvl1pPr marL="0" algn="l" defTabSz="1280160" rtl="0" eaLnBrk="1" latinLnBrk="0" hangingPunct="1">
+      <a:defRPr sz="2500" kern="1200">
         <a:solidFill>
           <a:schemeClr val="tx1"/>
         </a:solidFill>
@@ -27,8 +27,8 @@
         <a:cs typeface="+mn-cs"/>
       </a:defRPr>
     </a:lvl1pPr>
-    <a:lvl2pPr marL="457200" algn="l" defTabSz="914400" rtl="0" eaLnBrk="1" latinLnBrk="0" hangingPunct="1">
-      <a:defRPr sz="1800" kern="1200">
+    <a:lvl2pPr marL="640080" algn="l" defTabSz="1280160" rtl="0" eaLnBrk="1" latinLnBrk="0" hangingPunct="1">
+      <a:defRPr sz="2500" kern="1200">
         <a:solidFill>
           <a:schemeClr val="tx1"/>
         </a:solidFill>
@@ -37,8 +37,8 @@
         <a:cs typeface="+mn-cs"/>
       </a:defRPr>
     </a:lvl2pPr>
-    <a:lvl3pPr marL="914400" algn="l" defTabSz="914400" rtl="0" eaLnBrk="1" latinLnBrk="0" hangingPunct="1">
-      <a:defRPr sz="1800" kern="1200">
+    <a:lvl3pPr marL="1280160" algn="l" defTabSz="1280160" rtl="0" eaLnBrk="1" latinLnBrk="0" hangingPunct="1">
+      <a:defRPr sz="2500" kern="1200">
         <a:solidFill>
           <a:schemeClr val="tx1"/>
         </a:solidFill>
@@ -47,8 +47,8 @@
         <a:cs typeface="+mn-cs"/>
       </a:defRPr>
     </a:lvl3pPr>
-    <a:lvl4pPr marL="1371600" algn="l" defTabSz="914400" rtl="0" eaLnBrk="1" latinLnBrk="0" hangingPunct="1">
-      <a:defRPr sz="1800" kern="1200">
+    <a:lvl4pPr marL="1920240" algn="l" defTabSz="1280160" rtl="0" eaLnBrk="1" latinLnBrk="0" hangingPunct="1">
+      <a:defRPr sz="2500" kern="1200">
         <a:solidFill>
           <a:schemeClr val="tx1"/>
         </a:solidFill>
@@ -57,8 +57,8 @@
         <a:cs typeface="+mn-cs"/>
       </a:defRPr>
     </a:lvl4pPr>
-    <a:lvl5pPr marL="1828800" algn="l" defTabSz="914400" rtl="0" eaLnBrk="1" latinLnBrk="0" hangingPunct="1">
-      <a:defRPr sz="1800" kern="1200">
+    <a:lvl5pPr marL="2560320" algn="l" defTabSz="1280160" rtl="0" eaLnBrk="1" latinLnBrk="0" hangingPunct="1">
+      <a:defRPr sz="2500" kern="1200">
         <a:solidFill>
           <a:schemeClr val="tx1"/>
         </a:solidFill>
@@ -67,8 +67,8 @@
         <a:cs typeface="+mn-cs"/>
       </a:defRPr>
     </a:lvl5pPr>
-    <a:lvl6pPr marL="2286000" algn="l" defTabSz="914400" rtl="0" eaLnBrk="1" latinLnBrk="0" hangingPunct="1">
-      <a:defRPr sz="1800" kern="1200">
+    <a:lvl6pPr marL="3200400" algn="l" defTabSz="1280160" rtl="0" eaLnBrk="1" latinLnBrk="0" hangingPunct="1">
+      <a:defRPr sz="2500" kern="1200">
         <a:solidFill>
           <a:schemeClr val="tx1"/>
         </a:solidFill>
@@ -77,8 +77,8 @@
         <a:cs typeface="+mn-cs"/>
       </a:defRPr>
     </a:lvl6pPr>
-    <a:lvl7pPr marL="2743200" algn="l" defTabSz="914400" rtl="0" eaLnBrk="1" latinLnBrk="0" hangingPunct="1">
-      <a:defRPr sz="1800" kern="1200">
+    <a:lvl7pPr marL="3840480" algn="l" defTabSz="1280160" rtl="0" eaLnBrk="1" latinLnBrk="0" hangingPunct="1">
+      <a:defRPr sz="2500" kern="1200">
         <a:solidFill>
           <a:schemeClr val="tx1"/>
         </a:solidFill>
@@ -87,8 +87,8 @@
         <a:cs typeface="+mn-cs"/>
       </a:defRPr>
     </a:lvl7pPr>
-    <a:lvl8pPr marL="3200400" algn="l" defTabSz="914400" rtl="0" eaLnBrk="1" latinLnBrk="0" hangingPunct="1">
-      <a:defRPr sz="1800" kern="1200">
+    <a:lvl8pPr marL="4480560" algn="l" defTabSz="1280160" rtl="0" eaLnBrk="1" latinLnBrk="0" hangingPunct="1">
+      <a:defRPr sz="2500" kern="1200">
         <a:solidFill>
           <a:schemeClr val="tx1"/>
         </a:solidFill>
@@ -97,8 +97,8 @@
         <a:cs typeface="+mn-cs"/>
       </a:defRPr>
     </a:lvl8pPr>
-    <a:lvl9pPr marL="3657600" algn="l" defTabSz="914400" rtl="0" eaLnBrk="1" latinLnBrk="0" hangingPunct="1">
-      <a:defRPr sz="1800" kern="1200">
+    <a:lvl9pPr marL="5120640" algn="l" defTabSz="1280160" rtl="0" eaLnBrk="1" latinLnBrk="0" hangingPunct="1">
+      <a:defRPr sz="2500" kern="1200">
         <a:solidFill>
           <a:schemeClr val="tx1"/>
         </a:solidFill>
@@ -364,8 +364,8 @@
   </p:cSld>
   <p:clrMap bg1="lt1" tx1="dk1" bg2="lt2" tx2="dk2" accent1="accent1" accent2="accent2" accent3="accent3" accent4="accent4" accent5="accent5" accent6="accent6" hlink="hlink" folHlink="folHlink"/>
   <p:notesStyle>
-    <a:lvl1pPr marL="0" algn="l" defTabSz="914400" rtl="0" eaLnBrk="1" latinLnBrk="0" hangingPunct="1">
-      <a:defRPr sz="1200" kern="1200">
+    <a:lvl1pPr marL="0" algn="l" defTabSz="1280160" rtl="0" eaLnBrk="1" latinLnBrk="0" hangingPunct="1">
+      <a:defRPr sz="1700" kern="1200">
         <a:solidFill>
           <a:schemeClr val="tx1"/>
         </a:solidFill>
@@ -374,8 +374,8 @@
         <a:cs typeface="+mn-cs"/>
       </a:defRPr>
     </a:lvl1pPr>
-    <a:lvl2pPr marL="457200" algn="l" defTabSz="914400" rtl="0" eaLnBrk="1" latinLnBrk="0" hangingPunct="1">
-      <a:defRPr sz="1200" kern="1200">
+    <a:lvl2pPr marL="640080" algn="l" defTabSz="1280160" rtl="0" eaLnBrk="1" latinLnBrk="0" hangingPunct="1">
+      <a:defRPr sz="1700" kern="1200">
         <a:solidFill>
           <a:schemeClr val="tx1"/>
         </a:solidFill>
@@ -384,8 +384,8 @@
         <a:cs typeface="+mn-cs"/>
       </a:defRPr>
     </a:lvl2pPr>
-    <a:lvl3pPr marL="914400" algn="l" defTabSz="914400" rtl="0" eaLnBrk="1" latinLnBrk="0" hangingPunct="1">
-      <a:defRPr sz="1200" kern="1200">
+    <a:lvl3pPr marL="1280160" algn="l" defTabSz="1280160" rtl="0" eaLnBrk="1" latinLnBrk="0" hangingPunct="1">
+      <a:defRPr sz="1700" kern="1200">
         <a:solidFill>
           <a:schemeClr val="tx1"/>
         </a:solidFill>
@@ -394,8 +394,8 @@
         <a:cs typeface="+mn-cs"/>
       </a:defRPr>
     </a:lvl3pPr>
-    <a:lvl4pPr marL="1371600" algn="l" defTabSz="914400" rtl="0" eaLnBrk="1" latinLnBrk="0" hangingPunct="1">
-      <a:defRPr sz="1200" kern="1200">
+    <a:lvl4pPr marL="1920240" algn="l" defTabSz="1280160" rtl="0" eaLnBrk="1" latinLnBrk="0" hangingPunct="1">
+      <a:defRPr sz="1700" kern="1200">
         <a:solidFill>
           <a:schemeClr val="tx1"/>
         </a:solidFill>
@@ -404,8 +404,8 @@
         <a:cs typeface="+mn-cs"/>
       </a:defRPr>
     </a:lvl4pPr>
-    <a:lvl5pPr marL="1828800" algn="l" defTabSz="914400" rtl="0" eaLnBrk="1" latinLnBrk="0" hangingPunct="1">
-      <a:defRPr sz="1200" kern="1200">
+    <a:lvl5pPr marL="2560320" algn="l" defTabSz="1280160" rtl="0" eaLnBrk="1" latinLnBrk="0" hangingPunct="1">
+      <a:defRPr sz="1700" kern="1200">
         <a:solidFill>
           <a:schemeClr val="tx1"/>
         </a:solidFill>
@@ -414,8 +414,8 @@
         <a:cs typeface="+mn-cs"/>
       </a:defRPr>
     </a:lvl5pPr>
-    <a:lvl6pPr marL="2286000" algn="l" defTabSz="914400" rtl="0" eaLnBrk="1" latinLnBrk="0" hangingPunct="1">
-      <a:defRPr sz="1200" kern="1200">
+    <a:lvl6pPr marL="3200400" algn="l" defTabSz="1280160" rtl="0" eaLnBrk="1" latinLnBrk="0" hangingPunct="1">
+      <a:defRPr sz="1700" kern="1200">
         <a:solidFill>
           <a:schemeClr val="tx1"/>
         </a:solidFill>
@@ -424,8 +424,8 @@
         <a:cs typeface="+mn-cs"/>
       </a:defRPr>
     </a:lvl6pPr>
-    <a:lvl7pPr marL="2743200" algn="l" defTabSz="914400" rtl="0" eaLnBrk="1" latinLnBrk="0" hangingPunct="1">
-      <a:defRPr sz="1200" kern="1200">
+    <a:lvl7pPr marL="3840480" algn="l" defTabSz="1280160" rtl="0" eaLnBrk="1" latinLnBrk="0" hangingPunct="1">
+      <a:defRPr sz="1700" kern="1200">
         <a:solidFill>
           <a:schemeClr val="tx1"/>
         </a:solidFill>
@@ -434,8 +434,8 @@
         <a:cs typeface="+mn-cs"/>
       </a:defRPr>
     </a:lvl7pPr>
-    <a:lvl8pPr marL="3200400" algn="l" defTabSz="914400" rtl="0" eaLnBrk="1" latinLnBrk="0" hangingPunct="1">
-      <a:defRPr sz="1200" kern="1200">
+    <a:lvl8pPr marL="4480560" algn="l" defTabSz="1280160" rtl="0" eaLnBrk="1" latinLnBrk="0" hangingPunct="1">
+      <a:defRPr sz="1700" kern="1200">
         <a:solidFill>
           <a:schemeClr val="tx1"/>
         </a:solidFill>
@@ -444,8 +444,8 @@
         <a:cs typeface="+mn-cs"/>
       </a:defRPr>
     </a:lvl8pPr>
-    <a:lvl9pPr marL="3657600" algn="l" defTabSz="914400" rtl="0" eaLnBrk="1" latinLnBrk="0" hangingPunct="1">
-      <a:defRPr sz="1200" kern="1200">
+    <a:lvl9pPr marL="5120640" algn="l" defTabSz="1280160" rtl="0" eaLnBrk="1" latinLnBrk="0" hangingPunct="1">
+      <a:defRPr sz="1700" kern="1200">
         <a:solidFill>
           <a:schemeClr val="tx1"/>
         </a:solidFill>
@@ -573,8 +573,8 @@
         </p:nvSpPr>
         <p:spPr>
           <a:xfrm>
-            <a:off x="685800" y="2130427"/>
-            <a:ext cx="7772400" cy="1470025"/>
+            <a:off x="960120" y="2982599"/>
+            <a:ext cx="10881360" cy="2058035"/>
           </a:xfrm>
         </p:spPr>
         <p:txBody>
@@ -601,8 +601,8 @@
         </p:nvSpPr>
         <p:spPr>
           <a:xfrm>
-            <a:off x="1371600" y="3886200"/>
-            <a:ext cx="6400800" cy="1752600"/>
+            <a:off x="1920240" y="5440680"/>
+            <a:ext cx="8961120" cy="2453640"/>
           </a:xfrm>
         </p:spPr>
         <p:txBody>
@@ -618,7 +618,7 @@
                 </a:solidFill>
               </a:defRPr>
             </a:lvl1pPr>
-            <a:lvl2pPr marL="457200" indent="0" algn="ctr">
+            <a:lvl2pPr marL="640080" indent="0" algn="ctr">
               <a:buNone/>
               <a:defRPr>
                 <a:solidFill>
@@ -628,7 +628,7 @@
                 </a:solidFill>
               </a:defRPr>
             </a:lvl2pPr>
-            <a:lvl3pPr marL="914400" indent="0" algn="ctr">
+            <a:lvl3pPr marL="1280160" indent="0" algn="ctr">
               <a:buNone/>
               <a:defRPr>
                 <a:solidFill>
@@ -638,7 +638,7 @@
                 </a:solidFill>
               </a:defRPr>
             </a:lvl3pPr>
-            <a:lvl4pPr marL="1371600" indent="0" algn="ctr">
+            <a:lvl4pPr marL="1920240" indent="0" algn="ctr">
               <a:buNone/>
               <a:defRPr>
                 <a:solidFill>
@@ -648,7 +648,7 @@
                 </a:solidFill>
               </a:defRPr>
             </a:lvl4pPr>
-            <a:lvl5pPr marL="1828800" indent="0" algn="ctr">
+            <a:lvl5pPr marL="2560320" indent="0" algn="ctr">
               <a:buNone/>
               <a:defRPr>
                 <a:solidFill>
@@ -658,7 +658,7 @@
                 </a:solidFill>
               </a:defRPr>
             </a:lvl5pPr>
-            <a:lvl6pPr marL="2286000" indent="0" algn="ctr">
+            <a:lvl6pPr marL="3200400" indent="0" algn="ctr">
               <a:buNone/>
               <a:defRPr>
                 <a:solidFill>
@@ -668,7 +668,7 @@
                 </a:solidFill>
               </a:defRPr>
             </a:lvl6pPr>
-            <a:lvl7pPr marL="2743200" indent="0" algn="ctr">
+            <a:lvl7pPr marL="3840480" indent="0" algn="ctr">
               <a:buNone/>
               <a:defRPr>
                 <a:solidFill>
@@ -678,7 +678,7 @@
                 </a:solidFill>
               </a:defRPr>
             </a:lvl7pPr>
-            <a:lvl8pPr marL="3200400" indent="0" algn="ctr">
+            <a:lvl8pPr marL="4480560" indent="0" algn="ctr">
               <a:buNone/>
               <a:defRPr>
                 <a:solidFill>
@@ -688,7 +688,7 @@
                 </a:solidFill>
               </a:defRPr>
             </a:lvl8pPr>
-            <a:lvl9pPr marL="3657600" indent="0" algn="ctr">
+            <a:lvl9pPr marL="5120640" indent="0" algn="ctr">
               <a:buNone/>
               <a:defRPr>
                 <a:solidFill>
@@ -975,8 +975,8 @@
         </p:nvSpPr>
         <p:spPr>
           <a:xfrm>
-            <a:off x="6629400" y="274640"/>
-            <a:ext cx="2057400" cy="5851525"/>
+            <a:off x="9281160" y="384497"/>
+            <a:ext cx="2880360" cy="8192135"/>
           </a:xfrm>
         </p:spPr>
         <p:txBody>
@@ -1003,8 +1003,8 @@
         </p:nvSpPr>
         <p:spPr>
           <a:xfrm>
-            <a:off x="457200" y="274640"/>
-            <a:ext cx="6019800" cy="5851525"/>
+            <a:off x="640080" y="384497"/>
+            <a:ext cx="8427720" cy="8192135"/>
           </a:xfrm>
         </p:spPr>
         <p:txBody>
@@ -1315,15 +1315,15 @@
         </p:nvSpPr>
         <p:spPr>
           <a:xfrm>
-            <a:off x="722313" y="4406900"/>
-            <a:ext cx="7772400" cy="1362075"/>
+            <a:off x="1011238" y="6169661"/>
+            <a:ext cx="10881360" cy="1906905"/>
           </a:xfrm>
         </p:spPr>
         <p:txBody>
           <a:bodyPr anchor="t"/>
           <a:lstStyle>
             <a:lvl1pPr algn="l">
-              <a:defRPr sz="4000" b="1" cap="all"/>
+              <a:defRPr sz="5600" b="1" cap="all"/>
             </a:lvl1pPr>
           </a:lstStyle>
           <a:p>
@@ -1347,14 +1347,44 @@
         </p:nvSpPr>
         <p:spPr>
           <a:xfrm>
-            <a:off x="722313" y="2906715"/>
-            <a:ext cx="7772400" cy="1500187"/>
+            <a:off x="1011238" y="4069402"/>
+            <a:ext cx="10881360" cy="2100262"/>
           </a:xfrm>
         </p:spPr>
         <p:txBody>
           <a:bodyPr anchor="b"/>
           <a:lstStyle>
             <a:lvl1pPr marL="0" indent="0">
+              <a:buNone/>
+              <a:defRPr sz="2800">
+                <a:solidFill>
+                  <a:schemeClr val="tx1">
+                    <a:tint val="75000"/>
+                  </a:schemeClr>
+                </a:solidFill>
+              </a:defRPr>
+            </a:lvl1pPr>
+            <a:lvl2pPr marL="640080" indent="0">
+              <a:buNone/>
+              <a:defRPr sz="2500">
+                <a:solidFill>
+                  <a:schemeClr val="tx1">
+                    <a:tint val="75000"/>
+                  </a:schemeClr>
+                </a:solidFill>
+              </a:defRPr>
+            </a:lvl2pPr>
+            <a:lvl3pPr marL="1280160" indent="0">
+              <a:buNone/>
+              <a:defRPr sz="2200">
+                <a:solidFill>
+                  <a:schemeClr val="tx1">
+                    <a:tint val="75000"/>
+                  </a:schemeClr>
+                </a:solidFill>
+              </a:defRPr>
+            </a:lvl3pPr>
+            <a:lvl4pPr marL="1920240" indent="0">
               <a:buNone/>
               <a:defRPr sz="2000">
                 <a:solidFill>
@@ -1363,40 +1393,10 @@
                   </a:schemeClr>
                 </a:solidFill>
               </a:defRPr>
-            </a:lvl1pPr>
-            <a:lvl2pPr marL="457200" indent="0">
-              <a:buNone/>
-              <a:defRPr sz="1800">
-                <a:solidFill>
-                  <a:schemeClr val="tx1">
-                    <a:tint val="75000"/>
-                  </a:schemeClr>
-                </a:solidFill>
-              </a:defRPr>
-            </a:lvl2pPr>
-            <a:lvl3pPr marL="914400" indent="0">
-              <a:buNone/>
-              <a:defRPr sz="1600">
-                <a:solidFill>
-                  <a:schemeClr val="tx1">
-                    <a:tint val="75000"/>
-                  </a:schemeClr>
-                </a:solidFill>
-              </a:defRPr>
-            </a:lvl3pPr>
-            <a:lvl4pPr marL="1371600" indent="0">
-              <a:buNone/>
-              <a:defRPr sz="1400">
-                <a:solidFill>
-                  <a:schemeClr val="tx1">
-                    <a:tint val="75000"/>
-                  </a:schemeClr>
-                </a:solidFill>
-              </a:defRPr>
             </a:lvl4pPr>
-            <a:lvl5pPr marL="1828800" indent="0">
-              <a:buNone/>
-              <a:defRPr sz="1400">
+            <a:lvl5pPr marL="2560320" indent="0">
+              <a:buNone/>
+              <a:defRPr sz="2000">
                 <a:solidFill>
                   <a:schemeClr val="tx1">
                     <a:tint val="75000"/>
@@ -1404,9 +1404,9 @@
                 </a:solidFill>
               </a:defRPr>
             </a:lvl5pPr>
-            <a:lvl6pPr marL="2286000" indent="0">
-              <a:buNone/>
-              <a:defRPr sz="1400">
+            <a:lvl6pPr marL="3200400" indent="0">
+              <a:buNone/>
+              <a:defRPr sz="2000">
                 <a:solidFill>
                   <a:schemeClr val="tx1">
                     <a:tint val="75000"/>
@@ -1414,9 +1414,9 @@
                 </a:solidFill>
               </a:defRPr>
             </a:lvl6pPr>
-            <a:lvl7pPr marL="2743200" indent="0">
-              <a:buNone/>
-              <a:defRPr sz="1400">
+            <a:lvl7pPr marL="3840480" indent="0">
+              <a:buNone/>
+              <a:defRPr sz="2000">
                 <a:solidFill>
                   <a:schemeClr val="tx1">
                     <a:tint val="75000"/>
@@ -1424,9 +1424,9 @@
                 </a:solidFill>
               </a:defRPr>
             </a:lvl7pPr>
-            <a:lvl8pPr marL="3200400" indent="0">
-              <a:buNone/>
-              <a:defRPr sz="1400">
+            <a:lvl8pPr marL="4480560" indent="0">
+              <a:buNone/>
+              <a:defRPr sz="2000">
                 <a:solidFill>
                   <a:schemeClr val="tx1">
                     <a:tint val="75000"/>
@@ -1434,9 +1434,9 @@
                 </a:solidFill>
               </a:defRPr>
             </a:lvl8pPr>
-            <a:lvl9pPr marL="3657600" indent="0">
-              <a:buNone/>
-              <a:defRPr sz="1400">
+            <a:lvl9pPr marL="5120640" indent="0">
+              <a:buNone/>
+              <a:defRPr sz="2000">
                 <a:solidFill>
                   <a:schemeClr val="tx1">
                     <a:tint val="75000"/>
@@ -1579,39 +1579,39 @@
         </p:nvSpPr>
         <p:spPr>
           <a:xfrm>
-            <a:off x="457200" y="1600202"/>
-            <a:ext cx="4038600" cy="4525963"/>
+            <a:off x="640080" y="2240284"/>
+            <a:ext cx="5654040" cy="6336348"/>
           </a:xfrm>
         </p:spPr>
         <p:txBody>
           <a:bodyPr/>
           <a:lstStyle>
             <a:lvl1pPr>
-              <a:defRPr sz="2800"/>
+              <a:defRPr sz="3900"/>
             </a:lvl1pPr>
             <a:lvl2pPr>
-              <a:defRPr sz="2400"/>
+              <a:defRPr sz="3400"/>
             </a:lvl2pPr>
             <a:lvl3pPr>
-              <a:defRPr sz="2000"/>
+              <a:defRPr sz="2800"/>
             </a:lvl3pPr>
             <a:lvl4pPr>
-              <a:defRPr sz="1800"/>
+              <a:defRPr sz="2500"/>
             </a:lvl4pPr>
             <a:lvl5pPr>
-              <a:defRPr sz="1800"/>
+              <a:defRPr sz="2500"/>
             </a:lvl5pPr>
             <a:lvl6pPr>
-              <a:defRPr sz="1800"/>
+              <a:defRPr sz="2500"/>
             </a:lvl6pPr>
             <a:lvl7pPr>
-              <a:defRPr sz="1800"/>
+              <a:defRPr sz="2500"/>
             </a:lvl7pPr>
             <a:lvl8pPr>
-              <a:defRPr sz="1800"/>
+              <a:defRPr sz="2500"/>
             </a:lvl8pPr>
             <a:lvl9pPr>
-              <a:defRPr sz="1800"/>
+              <a:defRPr sz="2500"/>
             </a:lvl9pPr>
           </a:lstStyle>
           <a:p>
@@ -1664,39 +1664,39 @@
         </p:nvSpPr>
         <p:spPr>
           <a:xfrm>
-            <a:off x="4648200" y="1600202"/>
-            <a:ext cx="4038600" cy="4525963"/>
+            <a:off x="6507480" y="2240284"/>
+            <a:ext cx="5654040" cy="6336348"/>
           </a:xfrm>
         </p:spPr>
         <p:txBody>
           <a:bodyPr/>
           <a:lstStyle>
             <a:lvl1pPr>
-              <a:defRPr sz="2800"/>
+              <a:defRPr sz="3900"/>
             </a:lvl1pPr>
             <a:lvl2pPr>
-              <a:defRPr sz="2400"/>
+              <a:defRPr sz="3400"/>
             </a:lvl2pPr>
             <a:lvl3pPr>
-              <a:defRPr sz="2000"/>
+              <a:defRPr sz="2800"/>
             </a:lvl3pPr>
             <a:lvl4pPr>
-              <a:defRPr sz="1800"/>
+              <a:defRPr sz="2500"/>
             </a:lvl4pPr>
             <a:lvl5pPr>
-              <a:defRPr sz="1800"/>
+              <a:defRPr sz="2500"/>
             </a:lvl5pPr>
             <a:lvl6pPr>
-              <a:defRPr sz="1800"/>
+              <a:defRPr sz="2500"/>
             </a:lvl6pPr>
             <a:lvl7pPr>
-              <a:defRPr sz="1800"/>
+              <a:defRPr sz="2500"/>
             </a:lvl7pPr>
             <a:lvl8pPr>
-              <a:defRPr sz="1800"/>
+              <a:defRPr sz="2500"/>
             </a:lvl8pPr>
             <a:lvl9pPr>
-              <a:defRPr sz="1800"/>
+              <a:defRPr sz="2500"/>
             </a:lvl9pPr>
           </a:lstStyle>
           <a:p>
@@ -1866,8 +1866,8 @@
         </p:nvSpPr>
         <p:spPr>
           <a:xfrm>
-            <a:off x="457202" y="1535113"/>
-            <a:ext cx="4040188" cy="639762"/>
+            <a:off x="640083" y="2149158"/>
+            <a:ext cx="5656263" cy="895667"/>
           </a:xfrm>
         </p:spPr>
         <p:txBody>
@@ -1875,39 +1875,39 @@
           <a:lstStyle>
             <a:lvl1pPr marL="0" indent="0">
               <a:buNone/>
-              <a:defRPr sz="2400" b="1"/>
+              <a:defRPr sz="3400" b="1"/>
             </a:lvl1pPr>
-            <a:lvl2pPr marL="457200" indent="0">
-              <a:buNone/>
-              <a:defRPr sz="2000" b="1"/>
+            <a:lvl2pPr marL="640080" indent="0">
+              <a:buNone/>
+              <a:defRPr sz="2800" b="1"/>
             </a:lvl2pPr>
-            <a:lvl3pPr marL="914400" indent="0">
-              <a:buNone/>
-              <a:defRPr sz="1800" b="1"/>
+            <a:lvl3pPr marL="1280160" indent="0">
+              <a:buNone/>
+              <a:defRPr sz="2500" b="1"/>
             </a:lvl3pPr>
-            <a:lvl4pPr marL="1371600" indent="0">
-              <a:buNone/>
-              <a:defRPr sz="1600" b="1"/>
+            <a:lvl4pPr marL="1920240" indent="0">
+              <a:buNone/>
+              <a:defRPr sz="2200" b="1"/>
             </a:lvl4pPr>
-            <a:lvl5pPr marL="1828800" indent="0">
-              <a:buNone/>
-              <a:defRPr sz="1600" b="1"/>
+            <a:lvl5pPr marL="2560320" indent="0">
+              <a:buNone/>
+              <a:defRPr sz="2200" b="1"/>
             </a:lvl5pPr>
-            <a:lvl6pPr marL="2286000" indent="0">
-              <a:buNone/>
-              <a:defRPr sz="1600" b="1"/>
+            <a:lvl6pPr marL="3200400" indent="0">
+              <a:buNone/>
+              <a:defRPr sz="2200" b="1"/>
             </a:lvl6pPr>
-            <a:lvl7pPr marL="2743200" indent="0">
-              <a:buNone/>
-              <a:defRPr sz="1600" b="1"/>
+            <a:lvl7pPr marL="3840480" indent="0">
+              <a:buNone/>
+              <a:defRPr sz="2200" b="1"/>
             </a:lvl7pPr>
-            <a:lvl8pPr marL="3200400" indent="0">
-              <a:buNone/>
-              <a:defRPr sz="1600" b="1"/>
+            <a:lvl8pPr marL="4480560" indent="0">
+              <a:buNone/>
+              <a:defRPr sz="2200" b="1"/>
             </a:lvl8pPr>
-            <a:lvl9pPr marL="3657600" indent="0">
-              <a:buNone/>
-              <a:defRPr sz="1600" b="1"/>
+            <a:lvl9pPr marL="5120640" indent="0">
+              <a:buNone/>
+              <a:defRPr sz="2200" b="1"/>
             </a:lvl9pPr>
           </a:lstStyle>
           <a:p>
@@ -1931,39 +1931,39 @@
         </p:nvSpPr>
         <p:spPr>
           <a:xfrm>
-            <a:off x="457202" y="2174875"/>
-            <a:ext cx="4040188" cy="3951288"/>
+            <a:off x="640083" y="3044825"/>
+            <a:ext cx="5656263" cy="5531803"/>
           </a:xfrm>
         </p:spPr>
         <p:txBody>
           <a:bodyPr/>
           <a:lstStyle>
             <a:lvl1pPr>
-              <a:defRPr sz="2400"/>
+              <a:defRPr sz="3400"/>
             </a:lvl1pPr>
             <a:lvl2pPr>
-              <a:defRPr sz="2000"/>
+              <a:defRPr sz="2800"/>
             </a:lvl2pPr>
             <a:lvl3pPr>
-              <a:defRPr sz="1800"/>
+              <a:defRPr sz="2500"/>
             </a:lvl3pPr>
             <a:lvl4pPr>
-              <a:defRPr sz="1600"/>
+              <a:defRPr sz="2200"/>
             </a:lvl4pPr>
             <a:lvl5pPr>
-              <a:defRPr sz="1600"/>
+              <a:defRPr sz="2200"/>
             </a:lvl5pPr>
             <a:lvl6pPr>
-              <a:defRPr sz="1600"/>
+              <a:defRPr sz="2200"/>
             </a:lvl6pPr>
             <a:lvl7pPr>
-              <a:defRPr sz="1600"/>
+              <a:defRPr sz="2200"/>
             </a:lvl7pPr>
             <a:lvl8pPr>
-              <a:defRPr sz="1600"/>
+              <a:defRPr sz="2200"/>
             </a:lvl8pPr>
             <a:lvl9pPr>
-              <a:defRPr sz="1600"/>
+              <a:defRPr sz="2200"/>
             </a:lvl9pPr>
           </a:lstStyle>
           <a:p>
@@ -2016,8 +2016,8 @@
         </p:nvSpPr>
         <p:spPr>
           <a:xfrm>
-            <a:off x="4645027" y="1535113"/>
-            <a:ext cx="4041775" cy="639762"/>
+            <a:off x="6503039" y="2149158"/>
+            <a:ext cx="5658485" cy="895667"/>
           </a:xfrm>
         </p:spPr>
         <p:txBody>
@@ -2025,39 +2025,39 @@
           <a:lstStyle>
             <a:lvl1pPr marL="0" indent="0">
               <a:buNone/>
-              <a:defRPr sz="2400" b="1"/>
+              <a:defRPr sz="3400" b="1"/>
             </a:lvl1pPr>
-            <a:lvl2pPr marL="457200" indent="0">
-              <a:buNone/>
-              <a:defRPr sz="2000" b="1"/>
+            <a:lvl2pPr marL="640080" indent="0">
+              <a:buNone/>
+              <a:defRPr sz="2800" b="1"/>
             </a:lvl2pPr>
-            <a:lvl3pPr marL="914400" indent="0">
-              <a:buNone/>
-              <a:defRPr sz="1800" b="1"/>
+            <a:lvl3pPr marL="1280160" indent="0">
+              <a:buNone/>
+              <a:defRPr sz="2500" b="1"/>
             </a:lvl3pPr>
-            <a:lvl4pPr marL="1371600" indent="0">
-              <a:buNone/>
-              <a:defRPr sz="1600" b="1"/>
+            <a:lvl4pPr marL="1920240" indent="0">
+              <a:buNone/>
+              <a:defRPr sz="2200" b="1"/>
             </a:lvl4pPr>
-            <a:lvl5pPr marL="1828800" indent="0">
-              <a:buNone/>
-              <a:defRPr sz="1600" b="1"/>
+            <a:lvl5pPr marL="2560320" indent="0">
+              <a:buNone/>
+              <a:defRPr sz="2200" b="1"/>
             </a:lvl5pPr>
-            <a:lvl6pPr marL="2286000" indent="0">
-              <a:buNone/>
-              <a:defRPr sz="1600" b="1"/>
+            <a:lvl6pPr marL="3200400" indent="0">
+              <a:buNone/>
+              <a:defRPr sz="2200" b="1"/>
             </a:lvl6pPr>
-            <a:lvl7pPr marL="2743200" indent="0">
-              <a:buNone/>
-              <a:defRPr sz="1600" b="1"/>
+            <a:lvl7pPr marL="3840480" indent="0">
+              <a:buNone/>
+              <a:defRPr sz="2200" b="1"/>
             </a:lvl7pPr>
-            <a:lvl8pPr marL="3200400" indent="0">
-              <a:buNone/>
-              <a:defRPr sz="1600" b="1"/>
+            <a:lvl8pPr marL="4480560" indent="0">
+              <a:buNone/>
+              <a:defRPr sz="2200" b="1"/>
             </a:lvl8pPr>
-            <a:lvl9pPr marL="3657600" indent="0">
-              <a:buNone/>
-              <a:defRPr sz="1600" b="1"/>
+            <a:lvl9pPr marL="5120640" indent="0">
+              <a:buNone/>
+              <a:defRPr sz="2200" b="1"/>
             </a:lvl9pPr>
           </a:lstStyle>
           <a:p>
@@ -2081,39 +2081,39 @@
         </p:nvSpPr>
         <p:spPr>
           <a:xfrm>
-            <a:off x="4645027" y="2174875"/>
-            <a:ext cx="4041775" cy="3951288"/>
+            <a:off x="6503039" y="3044825"/>
+            <a:ext cx="5658485" cy="5531803"/>
           </a:xfrm>
         </p:spPr>
         <p:txBody>
           <a:bodyPr/>
           <a:lstStyle>
             <a:lvl1pPr>
-              <a:defRPr sz="2400"/>
+              <a:defRPr sz="3400"/>
             </a:lvl1pPr>
             <a:lvl2pPr>
-              <a:defRPr sz="2000"/>
+              <a:defRPr sz="2800"/>
             </a:lvl2pPr>
             <a:lvl3pPr>
-              <a:defRPr sz="1800"/>
+              <a:defRPr sz="2500"/>
             </a:lvl3pPr>
             <a:lvl4pPr>
-              <a:defRPr sz="1600"/>
+              <a:defRPr sz="2200"/>
             </a:lvl4pPr>
             <a:lvl5pPr>
-              <a:defRPr sz="1600"/>
+              <a:defRPr sz="2200"/>
             </a:lvl5pPr>
             <a:lvl6pPr>
-              <a:defRPr sz="1600"/>
+              <a:defRPr sz="2200"/>
             </a:lvl6pPr>
             <a:lvl7pPr>
-              <a:defRPr sz="1600"/>
+              <a:defRPr sz="2200"/>
             </a:lvl7pPr>
             <a:lvl8pPr>
-              <a:defRPr sz="1600"/>
+              <a:defRPr sz="2200"/>
             </a:lvl8pPr>
             <a:lvl9pPr>
-              <a:defRPr sz="1600"/>
+              <a:defRPr sz="2200"/>
             </a:lvl9pPr>
           </a:lstStyle>
           <a:p>
@@ -2459,15 +2459,15 @@
         </p:nvSpPr>
         <p:spPr>
           <a:xfrm>
-            <a:off x="457202" y="273050"/>
-            <a:ext cx="3008313" cy="1162050"/>
+            <a:off x="640084" y="382270"/>
+            <a:ext cx="4211638" cy="1626870"/>
           </a:xfrm>
         </p:spPr>
         <p:txBody>
           <a:bodyPr anchor="b"/>
           <a:lstStyle>
             <a:lvl1pPr algn="l">
-              <a:defRPr sz="2000" b="1"/>
+              <a:defRPr sz="2800" b="1"/>
             </a:lvl1pPr>
           </a:lstStyle>
           <a:p>
@@ -2491,39 +2491,39 @@
         </p:nvSpPr>
         <p:spPr>
           <a:xfrm>
-            <a:off x="3575051" y="273052"/>
-            <a:ext cx="5111751" cy="5853113"/>
+            <a:off x="5005072" y="382274"/>
+            <a:ext cx="7156451" cy="8194358"/>
           </a:xfrm>
         </p:spPr>
         <p:txBody>
           <a:bodyPr/>
           <a:lstStyle>
             <a:lvl1pPr>
-              <a:defRPr sz="3200"/>
+              <a:defRPr sz="4500"/>
             </a:lvl1pPr>
             <a:lvl2pPr>
-              <a:defRPr sz="2800"/>
+              <a:defRPr sz="3900"/>
             </a:lvl2pPr>
             <a:lvl3pPr>
-              <a:defRPr sz="2400"/>
+              <a:defRPr sz="3400"/>
             </a:lvl3pPr>
             <a:lvl4pPr>
-              <a:defRPr sz="2000"/>
+              <a:defRPr sz="2800"/>
             </a:lvl4pPr>
             <a:lvl5pPr>
-              <a:defRPr sz="2000"/>
+              <a:defRPr sz="2800"/>
             </a:lvl5pPr>
             <a:lvl6pPr>
-              <a:defRPr sz="2000"/>
+              <a:defRPr sz="2800"/>
             </a:lvl6pPr>
             <a:lvl7pPr>
-              <a:defRPr sz="2000"/>
+              <a:defRPr sz="2800"/>
             </a:lvl7pPr>
             <a:lvl8pPr>
-              <a:defRPr sz="2000"/>
+              <a:defRPr sz="2800"/>
             </a:lvl8pPr>
             <a:lvl9pPr>
-              <a:defRPr sz="2000"/>
+              <a:defRPr sz="2800"/>
             </a:lvl9pPr>
           </a:lstStyle>
           <a:p>
@@ -2576,8 +2576,8 @@
         </p:nvSpPr>
         <p:spPr>
           <a:xfrm>
-            <a:off x="457202" y="1435102"/>
-            <a:ext cx="3008313" cy="4691063"/>
+            <a:off x="640084" y="2009144"/>
+            <a:ext cx="4211638" cy="6567488"/>
           </a:xfrm>
         </p:spPr>
         <p:txBody>
@@ -2585,39 +2585,39 @@
           <a:lstStyle>
             <a:lvl1pPr marL="0" indent="0">
               <a:buNone/>
+              <a:defRPr sz="2000"/>
+            </a:lvl1pPr>
+            <a:lvl2pPr marL="640080" indent="0">
+              <a:buNone/>
+              <a:defRPr sz="1700"/>
+            </a:lvl2pPr>
+            <a:lvl3pPr marL="1280160" indent="0">
+              <a:buNone/>
               <a:defRPr sz="1400"/>
-            </a:lvl1pPr>
-            <a:lvl2pPr marL="457200" indent="0">
-              <a:buNone/>
-              <a:defRPr sz="1200"/>
-            </a:lvl2pPr>
-            <a:lvl3pPr marL="914400" indent="0">
-              <a:buNone/>
-              <a:defRPr sz="1000"/>
             </a:lvl3pPr>
-            <a:lvl4pPr marL="1371600" indent="0">
-              <a:buNone/>
-              <a:defRPr sz="900"/>
+            <a:lvl4pPr marL="1920240" indent="0">
+              <a:buNone/>
+              <a:defRPr sz="1300"/>
             </a:lvl4pPr>
-            <a:lvl5pPr marL="1828800" indent="0">
-              <a:buNone/>
-              <a:defRPr sz="900"/>
+            <a:lvl5pPr marL="2560320" indent="0">
+              <a:buNone/>
+              <a:defRPr sz="1300"/>
             </a:lvl5pPr>
-            <a:lvl6pPr marL="2286000" indent="0">
-              <a:buNone/>
-              <a:defRPr sz="900"/>
+            <a:lvl6pPr marL="3200400" indent="0">
+              <a:buNone/>
+              <a:defRPr sz="1300"/>
             </a:lvl6pPr>
-            <a:lvl7pPr marL="2743200" indent="0">
-              <a:buNone/>
-              <a:defRPr sz="900"/>
+            <a:lvl7pPr marL="3840480" indent="0">
+              <a:buNone/>
+              <a:defRPr sz="1300"/>
             </a:lvl7pPr>
-            <a:lvl8pPr marL="3200400" indent="0">
-              <a:buNone/>
-              <a:defRPr sz="900"/>
+            <a:lvl8pPr marL="4480560" indent="0">
+              <a:buNone/>
+              <a:defRPr sz="1300"/>
             </a:lvl8pPr>
-            <a:lvl9pPr marL="3657600" indent="0">
-              <a:buNone/>
-              <a:defRPr sz="900"/>
+            <a:lvl9pPr marL="5120640" indent="0">
+              <a:buNone/>
+              <a:defRPr sz="1300"/>
             </a:lvl9pPr>
           </a:lstStyle>
           <a:p>
@@ -2731,15 +2731,15 @@
         </p:nvSpPr>
         <p:spPr>
           <a:xfrm>
-            <a:off x="1792288" y="4800601"/>
-            <a:ext cx="5486400" cy="566738"/>
+            <a:off x="2509203" y="6720842"/>
+            <a:ext cx="7680960" cy="793433"/>
           </a:xfrm>
         </p:spPr>
         <p:txBody>
           <a:bodyPr anchor="b"/>
           <a:lstStyle>
             <a:lvl1pPr algn="l">
-              <a:defRPr sz="2000" b="1"/>
+              <a:defRPr sz="2800" b="1"/>
             </a:lvl1pPr>
           </a:lstStyle>
           <a:p>
@@ -2763,8 +2763,8 @@
         </p:nvSpPr>
         <p:spPr>
           <a:xfrm>
-            <a:off x="1792288" y="612775"/>
-            <a:ext cx="5486400" cy="4114800"/>
+            <a:off x="2509203" y="857885"/>
+            <a:ext cx="7680960" cy="5760720"/>
           </a:xfrm>
         </p:spPr>
         <p:txBody>
@@ -2772,39 +2772,39 @@
           <a:lstStyle>
             <a:lvl1pPr marL="0" indent="0">
               <a:buNone/>
-              <a:defRPr sz="3200"/>
+              <a:defRPr sz="4500"/>
             </a:lvl1pPr>
-            <a:lvl2pPr marL="457200" indent="0">
+            <a:lvl2pPr marL="640080" indent="0">
+              <a:buNone/>
+              <a:defRPr sz="3900"/>
+            </a:lvl2pPr>
+            <a:lvl3pPr marL="1280160" indent="0">
+              <a:buNone/>
+              <a:defRPr sz="3400"/>
+            </a:lvl3pPr>
+            <a:lvl4pPr marL="1920240" indent="0">
               <a:buNone/>
               <a:defRPr sz="2800"/>
-            </a:lvl2pPr>
-            <a:lvl3pPr marL="914400" indent="0">
-              <a:buNone/>
-              <a:defRPr sz="2400"/>
-            </a:lvl3pPr>
-            <a:lvl4pPr marL="1371600" indent="0">
-              <a:buNone/>
-              <a:defRPr sz="2000"/>
             </a:lvl4pPr>
-            <a:lvl5pPr marL="1828800" indent="0">
-              <a:buNone/>
-              <a:defRPr sz="2000"/>
+            <a:lvl5pPr marL="2560320" indent="0">
+              <a:buNone/>
+              <a:defRPr sz="2800"/>
             </a:lvl5pPr>
-            <a:lvl6pPr marL="2286000" indent="0">
-              <a:buNone/>
-              <a:defRPr sz="2000"/>
+            <a:lvl6pPr marL="3200400" indent="0">
+              <a:buNone/>
+              <a:defRPr sz="2800"/>
             </a:lvl6pPr>
-            <a:lvl7pPr marL="2743200" indent="0">
-              <a:buNone/>
-              <a:defRPr sz="2000"/>
+            <a:lvl7pPr marL="3840480" indent="0">
+              <a:buNone/>
+              <a:defRPr sz="2800"/>
             </a:lvl7pPr>
-            <a:lvl8pPr marL="3200400" indent="0">
-              <a:buNone/>
-              <a:defRPr sz="2000"/>
+            <a:lvl8pPr marL="4480560" indent="0">
+              <a:buNone/>
+              <a:defRPr sz="2800"/>
             </a:lvl8pPr>
-            <a:lvl9pPr marL="3657600" indent="0">
-              <a:buNone/>
-              <a:defRPr sz="2000"/>
+            <a:lvl9pPr marL="5120640" indent="0">
+              <a:buNone/>
+              <a:defRPr sz="2800"/>
             </a:lvl9pPr>
           </a:lstStyle>
           <a:p>
@@ -2824,8 +2824,8 @@
         </p:nvSpPr>
         <p:spPr>
           <a:xfrm>
-            <a:off x="1792288" y="5367339"/>
-            <a:ext cx="5486400" cy="804862"/>
+            <a:off x="2509203" y="7514275"/>
+            <a:ext cx="7680960" cy="1126807"/>
           </a:xfrm>
         </p:spPr>
         <p:txBody>
@@ -2833,39 +2833,39 @@
           <a:lstStyle>
             <a:lvl1pPr marL="0" indent="0">
               <a:buNone/>
+              <a:defRPr sz="2000"/>
+            </a:lvl1pPr>
+            <a:lvl2pPr marL="640080" indent="0">
+              <a:buNone/>
+              <a:defRPr sz="1700"/>
+            </a:lvl2pPr>
+            <a:lvl3pPr marL="1280160" indent="0">
+              <a:buNone/>
               <a:defRPr sz="1400"/>
-            </a:lvl1pPr>
-            <a:lvl2pPr marL="457200" indent="0">
-              <a:buNone/>
-              <a:defRPr sz="1200"/>
-            </a:lvl2pPr>
-            <a:lvl3pPr marL="914400" indent="0">
-              <a:buNone/>
-              <a:defRPr sz="1000"/>
             </a:lvl3pPr>
-            <a:lvl4pPr marL="1371600" indent="0">
-              <a:buNone/>
-              <a:defRPr sz="900"/>
+            <a:lvl4pPr marL="1920240" indent="0">
+              <a:buNone/>
+              <a:defRPr sz="1300"/>
             </a:lvl4pPr>
-            <a:lvl5pPr marL="1828800" indent="0">
-              <a:buNone/>
-              <a:defRPr sz="900"/>
+            <a:lvl5pPr marL="2560320" indent="0">
+              <a:buNone/>
+              <a:defRPr sz="1300"/>
             </a:lvl5pPr>
-            <a:lvl6pPr marL="2286000" indent="0">
-              <a:buNone/>
-              <a:defRPr sz="900"/>
+            <a:lvl6pPr marL="3200400" indent="0">
+              <a:buNone/>
+              <a:defRPr sz="1300"/>
             </a:lvl6pPr>
-            <a:lvl7pPr marL="2743200" indent="0">
-              <a:buNone/>
-              <a:defRPr sz="900"/>
+            <a:lvl7pPr marL="3840480" indent="0">
+              <a:buNone/>
+              <a:defRPr sz="1300"/>
             </a:lvl7pPr>
-            <a:lvl8pPr marL="3200400" indent="0">
-              <a:buNone/>
-              <a:defRPr sz="900"/>
+            <a:lvl8pPr marL="4480560" indent="0">
+              <a:buNone/>
+              <a:defRPr sz="1300"/>
             </a:lvl8pPr>
-            <a:lvl9pPr marL="3657600" indent="0">
-              <a:buNone/>
-              <a:defRPr sz="900"/>
+            <a:lvl9pPr marL="5120640" indent="0">
+              <a:buNone/>
+              <a:defRPr sz="1300"/>
             </a:lvl9pPr>
           </a:lstStyle>
           <a:p>
@@ -2984,15 +2984,15 @@
         </p:nvSpPr>
         <p:spPr>
           <a:xfrm>
-            <a:off x="457200" y="274638"/>
-            <a:ext cx="8229600" cy="1143000"/>
+            <a:off x="640080" y="384493"/>
+            <a:ext cx="11521440" cy="1600200"/>
           </a:xfrm>
           <a:prstGeom prst="rect">
             <a:avLst/>
           </a:prstGeom>
         </p:spPr>
         <p:txBody>
-          <a:bodyPr vert="horz" lIns="91440" tIns="45720" rIns="91440" bIns="45720" rtlCol="0" anchor="ctr">
+          <a:bodyPr vert="horz" lIns="128016" tIns="64008" rIns="128016" bIns="64008" rtlCol="0" anchor="ctr">
             <a:normAutofit/>
           </a:bodyPr>
           <a:lstStyle/>
@@ -3017,15 +3017,15 @@
         </p:nvSpPr>
         <p:spPr>
           <a:xfrm>
-            <a:off x="457200" y="1600202"/>
-            <a:ext cx="8229600" cy="4525963"/>
+            <a:off x="640080" y="2240284"/>
+            <a:ext cx="11521440" cy="6336348"/>
           </a:xfrm>
           <a:prstGeom prst="rect">
             <a:avLst/>
           </a:prstGeom>
         </p:spPr>
         <p:txBody>
-          <a:bodyPr vert="horz" lIns="91440" tIns="45720" rIns="91440" bIns="45720" rtlCol="0">
+          <a:bodyPr vert="horz" lIns="128016" tIns="64008" rIns="128016" bIns="64008" rtlCol="0">
             <a:normAutofit/>
           </a:bodyPr>
           <a:lstStyle/>
@@ -3079,18 +3079,18 @@
         </p:nvSpPr>
         <p:spPr>
           <a:xfrm>
-            <a:off x="457200" y="6356352"/>
-            <a:ext cx="2133600" cy="365125"/>
+            <a:off x="640080" y="8898894"/>
+            <a:ext cx="2987040" cy="511175"/>
           </a:xfrm>
           <a:prstGeom prst="rect">
             <a:avLst/>
           </a:prstGeom>
         </p:spPr>
         <p:txBody>
-          <a:bodyPr vert="horz" lIns="91440" tIns="45720" rIns="91440" bIns="45720" rtlCol="0" anchor="ctr"/>
+          <a:bodyPr vert="horz" lIns="128016" tIns="64008" rIns="128016" bIns="64008" rtlCol="0" anchor="ctr"/>
           <a:lstStyle>
             <a:lvl1pPr algn="l">
-              <a:defRPr sz="1200">
+              <a:defRPr sz="1700">
                 <a:solidFill>
                   <a:schemeClr val="tx1">
                     <a:tint val="75000"/>
@@ -3120,18 +3120,18 @@
         </p:nvSpPr>
         <p:spPr>
           <a:xfrm>
-            <a:off x="3124200" y="6356352"/>
-            <a:ext cx="2895600" cy="365125"/>
+            <a:off x="4373880" y="8898894"/>
+            <a:ext cx="4053840" cy="511175"/>
           </a:xfrm>
           <a:prstGeom prst="rect">
             <a:avLst/>
           </a:prstGeom>
         </p:spPr>
         <p:txBody>
-          <a:bodyPr vert="horz" lIns="91440" tIns="45720" rIns="91440" bIns="45720" rtlCol="0" anchor="ctr"/>
+          <a:bodyPr vert="horz" lIns="128016" tIns="64008" rIns="128016" bIns="64008" rtlCol="0" anchor="ctr"/>
           <a:lstStyle>
             <a:lvl1pPr algn="ctr">
-              <a:defRPr sz="1200">
+              <a:defRPr sz="1700">
                 <a:solidFill>
                   <a:schemeClr val="tx1">
                     <a:tint val="75000"/>
@@ -3157,18 +3157,18 @@
         </p:nvSpPr>
         <p:spPr>
           <a:xfrm>
-            <a:off x="6553200" y="6356352"/>
-            <a:ext cx="2133600" cy="365125"/>
+            <a:off x="9174480" y="8898894"/>
+            <a:ext cx="2987040" cy="511175"/>
           </a:xfrm>
           <a:prstGeom prst="rect">
             <a:avLst/>
           </a:prstGeom>
         </p:spPr>
         <p:txBody>
-          <a:bodyPr vert="horz" lIns="91440" tIns="45720" rIns="91440" bIns="45720" rtlCol="0" anchor="ctr"/>
+          <a:bodyPr vert="horz" lIns="128016" tIns="64008" rIns="128016" bIns="64008" rtlCol="0" anchor="ctr"/>
           <a:lstStyle>
             <a:lvl1pPr algn="r">
-              <a:defRPr sz="1200">
+              <a:defRPr sz="1700">
                 <a:solidFill>
                   <a:schemeClr val="tx1">
                     <a:tint val="75000"/>
@@ -3204,12 +3204,12 @@
   </p:sldLayoutIdLst>
   <p:txStyles>
     <p:titleStyle>
-      <a:lvl1pPr algn="ctr" defTabSz="914400" rtl="0" eaLnBrk="1" latinLnBrk="0" hangingPunct="1">
+      <a:lvl1pPr algn="ctr" defTabSz="1280160" rtl="0" eaLnBrk="1" latinLnBrk="0" hangingPunct="1">
         <a:spcBef>
           <a:spcPct val="0"/>
         </a:spcBef>
         <a:buNone/>
-        <a:defRPr sz="4400" kern="1200">
+        <a:defRPr sz="6200" kern="1200">
           <a:solidFill>
             <a:schemeClr val="tx1"/>
           </a:solidFill>
@@ -3220,13 +3220,13 @@
       </a:lvl1pPr>
     </p:titleStyle>
     <p:bodyStyle>
-      <a:lvl1pPr marL="342900" indent="-342900" algn="l" defTabSz="914400" rtl="0" eaLnBrk="1" latinLnBrk="0" hangingPunct="1">
+      <a:lvl1pPr marL="480060" indent="-480060" algn="l" defTabSz="1280160" rtl="0" eaLnBrk="1" latinLnBrk="0" hangingPunct="1">
         <a:spcBef>
           <a:spcPct val="20000"/>
         </a:spcBef>
         <a:buFont typeface="Arial" pitchFamily="34" charset="0"/>
         <a:buChar char="•"/>
-        <a:defRPr sz="3200" kern="1200">
+        <a:defRPr sz="4500" kern="1200">
           <a:solidFill>
             <a:schemeClr val="tx1"/>
           </a:solidFill>
@@ -3235,7 +3235,37 @@
           <a:cs typeface="+mn-cs"/>
         </a:defRPr>
       </a:lvl1pPr>
-      <a:lvl2pPr marL="742950" indent="-285750" algn="l" defTabSz="914400" rtl="0" eaLnBrk="1" latinLnBrk="0" hangingPunct="1">
+      <a:lvl2pPr marL="1040130" indent="-400050" algn="l" defTabSz="1280160" rtl="0" eaLnBrk="1" latinLnBrk="0" hangingPunct="1">
+        <a:spcBef>
+          <a:spcPct val="20000"/>
+        </a:spcBef>
+        <a:buFont typeface="Arial" pitchFamily="34" charset="0"/>
+        <a:buChar char="–"/>
+        <a:defRPr sz="3900" kern="1200">
+          <a:solidFill>
+            <a:schemeClr val="tx1"/>
+          </a:solidFill>
+          <a:latin typeface="+mn-lt"/>
+          <a:ea typeface="+mn-ea"/>
+          <a:cs typeface="+mn-cs"/>
+        </a:defRPr>
+      </a:lvl2pPr>
+      <a:lvl3pPr marL="1600200" indent="-320040" algn="l" defTabSz="1280160" rtl="0" eaLnBrk="1" latinLnBrk="0" hangingPunct="1">
+        <a:spcBef>
+          <a:spcPct val="20000"/>
+        </a:spcBef>
+        <a:buFont typeface="Arial" pitchFamily="34" charset="0"/>
+        <a:buChar char="•"/>
+        <a:defRPr sz="3400" kern="1200">
+          <a:solidFill>
+            <a:schemeClr val="tx1"/>
+          </a:solidFill>
+          <a:latin typeface="+mn-lt"/>
+          <a:ea typeface="+mn-ea"/>
+          <a:cs typeface="+mn-cs"/>
+        </a:defRPr>
+      </a:lvl3pPr>
+      <a:lvl4pPr marL="2240280" indent="-320040" algn="l" defTabSz="1280160" rtl="0" eaLnBrk="1" latinLnBrk="0" hangingPunct="1">
         <a:spcBef>
           <a:spcPct val="20000"/>
         </a:spcBef>
@@ -3249,44 +3279,14 @@
           <a:ea typeface="+mn-ea"/>
           <a:cs typeface="+mn-cs"/>
         </a:defRPr>
-      </a:lvl2pPr>
-      <a:lvl3pPr marL="1143000" indent="-228600" algn="l" defTabSz="914400" rtl="0" eaLnBrk="1" latinLnBrk="0" hangingPunct="1">
-        <a:spcBef>
-          <a:spcPct val="20000"/>
-        </a:spcBef>
-        <a:buFont typeface="Arial" pitchFamily="34" charset="0"/>
-        <a:buChar char="•"/>
-        <a:defRPr sz="2400" kern="1200">
-          <a:solidFill>
-            <a:schemeClr val="tx1"/>
-          </a:solidFill>
-          <a:latin typeface="+mn-lt"/>
-          <a:ea typeface="+mn-ea"/>
-          <a:cs typeface="+mn-cs"/>
-        </a:defRPr>
-      </a:lvl3pPr>
-      <a:lvl4pPr marL="1600200" indent="-228600" algn="l" defTabSz="914400" rtl="0" eaLnBrk="1" latinLnBrk="0" hangingPunct="1">
-        <a:spcBef>
-          <a:spcPct val="20000"/>
-        </a:spcBef>
-        <a:buFont typeface="Arial" pitchFamily="34" charset="0"/>
-        <a:buChar char="–"/>
-        <a:defRPr sz="2000" kern="1200">
-          <a:solidFill>
-            <a:schemeClr val="tx1"/>
-          </a:solidFill>
-          <a:latin typeface="+mn-lt"/>
-          <a:ea typeface="+mn-ea"/>
-          <a:cs typeface="+mn-cs"/>
-        </a:defRPr>
       </a:lvl4pPr>
-      <a:lvl5pPr marL="2057400" indent="-228600" algn="l" defTabSz="914400" rtl="0" eaLnBrk="1" latinLnBrk="0" hangingPunct="1">
+      <a:lvl5pPr marL="2880360" indent="-320040" algn="l" defTabSz="1280160" rtl="0" eaLnBrk="1" latinLnBrk="0" hangingPunct="1">
         <a:spcBef>
           <a:spcPct val="20000"/>
         </a:spcBef>
         <a:buFont typeface="Arial" pitchFamily="34" charset="0"/>
         <a:buChar char="»"/>
-        <a:defRPr sz="2000" kern="1200">
+        <a:defRPr sz="2800" kern="1200">
           <a:solidFill>
             <a:schemeClr val="tx1"/>
           </a:solidFill>
@@ -3295,13 +3295,13 @@
           <a:cs typeface="+mn-cs"/>
         </a:defRPr>
       </a:lvl5pPr>
-      <a:lvl6pPr marL="2514600" indent="-228600" algn="l" defTabSz="914400" rtl="0" eaLnBrk="1" latinLnBrk="0" hangingPunct="1">
+      <a:lvl6pPr marL="3520440" indent="-320040" algn="l" defTabSz="1280160" rtl="0" eaLnBrk="1" latinLnBrk="0" hangingPunct="1">
         <a:spcBef>
           <a:spcPct val="20000"/>
         </a:spcBef>
         <a:buFont typeface="Arial" pitchFamily="34" charset="0"/>
         <a:buChar char="•"/>
-        <a:defRPr sz="2000" kern="1200">
+        <a:defRPr sz="2800" kern="1200">
           <a:solidFill>
             <a:schemeClr val="tx1"/>
           </a:solidFill>
@@ -3310,13 +3310,13 @@
           <a:cs typeface="+mn-cs"/>
         </a:defRPr>
       </a:lvl6pPr>
-      <a:lvl7pPr marL="2971800" indent="-228600" algn="l" defTabSz="914400" rtl="0" eaLnBrk="1" latinLnBrk="0" hangingPunct="1">
+      <a:lvl7pPr marL="4160520" indent="-320040" algn="l" defTabSz="1280160" rtl="0" eaLnBrk="1" latinLnBrk="0" hangingPunct="1">
         <a:spcBef>
           <a:spcPct val="20000"/>
         </a:spcBef>
         <a:buFont typeface="Arial" pitchFamily="34" charset="0"/>
         <a:buChar char="•"/>
-        <a:defRPr sz="2000" kern="1200">
+        <a:defRPr sz="2800" kern="1200">
           <a:solidFill>
             <a:schemeClr val="tx1"/>
           </a:solidFill>
@@ -3325,13 +3325,13 @@
           <a:cs typeface="+mn-cs"/>
         </a:defRPr>
       </a:lvl7pPr>
-      <a:lvl8pPr marL="3429000" indent="-228600" algn="l" defTabSz="914400" rtl="0" eaLnBrk="1" latinLnBrk="0" hangingPunct="1">
+      <a:lvl8pPr marL="4800600" indent="-320040" algn="l" defTabSz="1280160" rtl="0" eaLnBrk="1" latinLnBrk="0" hangingPunct="1">
         <a:spcBef>
           <a:spcPct val="20000"/>
         </a:spcBef>
         <a:buFont typeface="Arial" pitchFamily="34" charset="0"/>
         <a:buChar char="•"/>
-        <a:defRPr sz="2000" kern="1200">
+        <a:defRPr sz="2800" kern="1200">
           <a:solidFill>
             <a:schemeClr val="tx1"/>
           </a:solidFill>
@@ -3340,13 +3340,13 @@
           <a:cs typeface="+mn-cs"/>
         </a:defRPr>
       </a:lvl8pPr>
-      <a:lvl9pPr marL="3886200" indent="-228600" algn="l" defTabSz="914400" rtl="0" eaLnBrk="1" latinLnBrk="0" hangingPunct="1">
+      <a:lvl9pPr marL="5440680" indent="-320040" algn="l" defTabSz="1280160" rtl="0" eaLnBrk="1" latinLnBrk="0" hangingPunct="1">
         <a:spcBef>
           <a:spcPct val="20000"/>
         </a:spcBef>
         <a:buFont typeface="Arial" pitchFamily="34" charset="0"/>
         <a:buChar char="•"/>
-        <a:defRPr sz="2000" kern="1200">
+        <a:defRPr sz="2800" kern="1200">
           <a:solidFill>
             <a:schemeClr val="tx1"/>
           </a:solidFill>
@@ -3360,8 +3360,8 @@
       <a:defPPr>
         <a:defRPr lang="de-DE"/>
       </a:defPPr>
-      <a:lvl1pPr marL="0" algn="l" defTabSz="914400" rtl="0" eaLnBrk="1" latinLnBrk="0" hangingPunct="1">
-        <a:defRPr sz="1800" kern="1200">
+      <a:lvl1pPr marL="0" algn="l" defTabSz="1280160" rtl="0" eaLnBrk="1" latinLnBrk="0" hangingPunct="1">
+        <a:defRPr sz="2500" kern="1200">
           <a:solidFill>
             <a:schemeClr val="tx1"/>
           </a:solidFill>
@@ -3370,8 +3370,8 @@
           <a:cs typeface="+mn-cs"/>
         </a:defRPr>
       </a:lvl1pPr>
-      <a:lvl2pPr marL="457200" algn="l" defTabSz="914400" rtl="0" eaLnBrk="1" latinLnBrk="0" hangingPunct="1">
-        <a:defRPr sz="1800" kern="1200">
+      <a:lvl2pPr marL="640080" algn="l" defTabSz="1280160" rtl="0" eaLnBrk="1" latinLnBrk="0" hangingPunct="1">
+        <a:defRPr sz="2500" kern="1200">
           <a:solidFill>
             <a:schemeClr val="tx1"/>
           </a:solidFill>
@@ -3380,8 +3380,8 @@
           <a:cs typeface="+mn-cs"/>
         </a:defRPr>
       </a:lvl2pPr>
-      <a:lvl3pPr marL="914400" algn="l" defTabSz="914400" rtl="0" eaLnBrk="1" latinLnBrk="0" hangingPunct="1">
-        <a:defRPr sz="1800" kern="1200">
+      <a:lvl3pPr marL="1280160" algn="l" defTabSz="1280160" rtl="0" eaLnBrk="1" latinLnBrk="0" hangingPunct="1">
+        <a:defRPr sz="2500" kern="1200">
           <a:solidFill>
             <a:schemeClr val="tx1"/>
           </a:solidFill>
@@ -3390,8 +3390,8 @@
           <a:cs typeface="+mn-cs"/>
         </a:defRPr>
       </a:lvl3pPr>
-      <a:lvl4pPr marL="1371600" algn="l" defTabSz="914400" rtl="0" eaLnBrk="1" latinLnBrk="0" hangingPunct="1">
-        <a:defRPr sz="1800" kern="1200">
+      <a:lvl4pPr marL="1920240" algn="l" defTabSz="1280160" rtl="0" eaLnBrk="1" latinLnBrk="0" hangingPunct="1">
+        <a:defRPr sz="2500" kern="1200">
           <a:solidFill>
             <a:schemeClr val="tx1"/>
           </a:solidFill>
@@ -3400,8 +3400,8 @@
           <a:cs typeface="+mn-cs"/>
         </a:defRPr>
       </a:lvl4pPr>
-      <a:lvl5pPr marL="1828800" algn="l" defTabSz="914400" rtl="0" eaLnBrk="1" latinLnBrk="0" hangingPunct="1">
-        <a:defRPr sz="1800" kern="1200">
+      <a:lvl5pPr marL="2560320" algn="l" defTabSz="1280160" rtl="0" eaLnBrk="1" latinLnBrk="0" hangingPunct="1">
+        <a:defRPr sz="2500" kern="1200">
           <a:solidFill>
             <a:schemeClr val="tx1"/>
           </a:solidFill>
@@ -3410,8 +3410,8 @@
           <a:cs typeface="+mn-cs"/>
         </a:defRPr>
       </a:lvl5pPr>
-      <a:lvl6pPr marL="2286000" algn="l" defTabSz="914400" rtl="0" eaLnBrk="1" latinLnBrk="0" hangingPunct="1">
-        <a:defRPr sz="1800" kern="1200">
+      <a:lvl6pPr marL="3200400" algn="l" defTabSz="1280160" rtl="0" eaLnBrk="1" latinLnBrk="0" hangingPunct="1">
+        <a:defRPr sz="2500" kern="1200">
           <a:solidFill>
             <a:schemeClr val="tx1"/>
           </a:solidFill>
@@ -3420,8 +3420,8 @@
           <a:cs typeface="+mn-cs"/>
         </a:defRPr>
       </a:lvl6pPr>
-      <a:lvl7pPr marL="2743200" algn="l" defTabSz="914400" rtl="0" eaLnBrk="1" latinLnBrk="0" hangingPunct="1">
-        <a:defRPr sz="1800" kern="1200">
+      <a:lvl7pPr marL="3840480" algn="l" defTabSz="1280160" rtl="0" eaLnBrk="1" latinLnBrk="0" hangingPunct="1">
+        <a:defRPr sz="2500" kern="1200">
           <a:solidFill>
             <a:schemeClr val="tx1"/>
           </a:solidFill>
@@ -3430,8 +3430,8 @@
           <a:cs typeface="+mn-cs"/>
         </a:defRPr>
       </a:lvl7pPr>
-      <a:lvl8pPr marL="3200400" algn="l" defTabSz="914400" rtl="0" eaLnBrk="1" latinLnBrk="0" hangingPunct="1">
-        <a:defRPr sz="1800" kern="1200">
+      <a:lvl8pPr marL="4480560" algn="l" defTabSz="1280160" rtl="0" eaLnBrk="1" latinLnBrk="0" hangingPunct="1">
+        <a:defRPr sz="2500" kern="1200">
           <a:solidFill>
             <a:schemeClr val="tx1"/>
           </a:solidFill>
@@ -3440,8 +3440,8 @@
           <a:cs typeface="+mn-cs"/>
         </a:defRPr>
       </a:lvl8pPr>
-      <a:lvl9pPr marL="3657600" algn="l" defTabSz="914400" rtl="0" eaLnBrk="1" latinLnBrk="0" hangingPunct="1">
-        <a:defRPr sz="1800" kern="1200">
+      <a:lvl9pPr marL="5120640" algn="l" defTabSz="1280160" rtl="0" eaLnBrk="1" latinLnBrk="0" hangingPunct="1">
+        <a:defRPr sz="2500" kern="1200">
           <a:solidFill>
             <a:schemeClr val="tx1"/>
           </a:solidFill>
@@ -3489,8 +3489,8 @@
         </p:blipFill>
         <p:spPr bwMode="auto">
           <a:xfrm>
-            <a:off x="5940152" y="2276872"/>
-            <a:ext cx="3054367" cy="2160240"/>
+            <a:off x="8316213" y="3187621"/>
+            <a:ext cx="4276114" cy="3024336"/>
           </a:xfrm>
           <a:prstGeom prst="rect">
             <a:avLst/>
@@ -3515,8 +3515,8 @@
         </p:blipFill>
         <p:spPr bwMode="auto">
           <a:xfrm>
-            <a:off x="3347864" y="620688"/>
-            <a:ext cx="2088232" cy="1476928"/>
+            <a:off x="4687010" y="868963"/>
+            <a:ext cx="2923525" cy="2067699"/>
           </a:xfrm>
           <a:prstGeom prst="rect">
             <a:avLst/>
@@ -3541,8 +3541,8 @@
         </p:blipFill>
         <p:spPr bwMode="auto">
           <a:xfrm>
-            <a:off x="611560" y="2348880"/>
-            <a:ext cx="2088232" cy="1476929"/>
+            <a:off x="856184" y="3288433"/>
+            <a:ext cx="2923525" cy="2067701"/>
           </a:xfrm>
           <a:prstGeom prst="rect">
             <a:avLst/>
@@ -3567,8 +3567,8 @@
         </p:blipFill>
         <p:spPr bwMode="auto">
           <a:xfrm>
-            <a:off x="611560" y="4869162"/>
-            <a:ext cx="2088232" cy="1476929"/>
+            <a:off x="856184" y="6816827"/>
+            <a:ext cx="2923525" cy="2067701"/>
           </a:xfrm>
           <a:prstGeom prst="rect">
             <a:avLst/>
@@ -3584,8 +3584,8 @@
         </p:nvSpPr>
         <p:spPr>
           <a:xfrm>
-            <a:off x="3419872" y="332658"/>
-            <a:ext cx="2304256" cy="276999"/>
+            <a:off x="4787821" y="465722"/>
+            <a:ext cx="3225958" cy="387799"/>
           </a:xfrm>
           <a:prstGeom prst="rect">
             <a:avLst/>
@@ -3593,32 +3593,32 @@
           <a:noFill/>
         </p:spPr>
         <p:txBody>
-          <a:bodyPr wrap="square" rtlCol="0">
+          <a:bodyPr wrap="square" lIns="128016" tIns="64008" rIns="128016" bIns="64008" rtlCol="0">
             <a:spAutoFit/>
           </a:bodyPr>
           <a:lstStyle/>
           <a:p>
             <a:r>
-              <a:rPr lang="de-DE" sz="1200" b="1" dirty="0" smtClean="0"/>
+              <a:rPr lang="de-DE" sz="1700" b="1" dirty="0"/>
               <a:t>Input: </a:t>
             </a:r>
             <a:r>
-              <a:rPr lang="de-DE" sz="1200" dirty="0" smtClean="0"/>
+              <a:rPr lang="de-DE" sz="1700" dirty="0"/>
               <a:t>DEM </a:t>
             </a:r>
             <a:r>
-              <a:rPr lang="de-DE" sz="1200" dirty="0" err="1" smtClean="0"/>
+              <a:rPr lang="de-DE" sz="1700" dirty="0" err="1"/>
               <a:t>from</a:t>
             </a:r>
             <a:r>
-              <a:rPr lang="de-DE" sz="1200" dirty="0" smtClean="0"/>
+              <a:rPr lang="de-DE" sz="1700" dirty="0"/>
               <a:t> LIDAR </a:t>
             </a:r>
             <a:r>
-              <a:rPr lang="de-DE" sz="1200" dirty="0" err="1" smtClean="0"/>
+              <a:rPr lang="de-DE" sz="1700" dirty="0" err="1"/>
               <a:t>data</a:t>
             </a:r>
-            <a:endParaRPr lang="de-DE" sz="1200" dirty="0"/>
+            <a:endParaRPr lang="de-DE" sz="1700" dirty="0"/>
           </a:p>
         </p:txBody>
       </p:sp>
@@ -3630,8 +3630,8 @@
         </p:nvSpPr>
         <p:spPr>
           <a:xfrm rot="19169289" flipH="1">
-            <a:off x="2580281" y="1133312"/>
-            <a:ext cx="576064" cy="288032"/>
+            <a:off x="3612393" y="1586637"/>
+            <a:ext cx="806490" cy="403245"/>
           </a:xfrm>
           <a:prstGeom prst="rightArrow">
             <a:avLst>
@@ -3657,7 +3657,7 @@
           </a:fontRef>
         </p:style>
         <p:txBody>
-          <a:bodyPr rtlCol="0" anchor="ctr"/>
+          <a:bodyPr lIns="128016" tIns="64008" rIns="128016" bIns="64008" rtlCol="0" anchor="ctr"/>
           <a:lstStyle/>
           <a:p>
             <a:pPr algn="ctr"/>
@@ -3673,8 +3673,8 @@
         </p:nvSpPr>
         <p:spPr>
           <a:xfrm>
-            <a:off x="611560" y="1700810"/>
-            <a:ext cx="2088232" cy="646331"/>
+            <a:off x="784176" y="2424336"/>
+            <a:ext cx="2923525" cy="914096"/>
           </a:xfrm>
           <a:prstGeom prst="rect">
             <a:avLst/>
@@ -3682,42 +3682,41 @@
           <a:noFill/>
         </p:spPr>
         <p:txBody>
-          <a:bodyPr wrap="square" rtlCol="0">
+          <a:bodyPr wrap="square" lIns="128016" tIns="64008" rIns="128016" bIns="64008" rtlCol="0">
             <a:spAutoFit/>
           </a:bodyPr>
           <a:lstStyle/>
           <a:p>
             <a:r>
-              <a:rPr lang="de-DE" sz="1200" b="1" dirty="0" smtClean="0"/>
+              <a:rPr lang="de-DE" sz="1700" b="1" dirty="0"/>
               <a:t>CENITH FILL SINKS</a:t>
             </a:r>
           </a:p>
           <a:p>
             <a:r>
-              <a:rPr lang="de-DE" sz="1200" dirty="0" err="1" smtClean="0"/>
+              <a:rPr lang="de-DE" sz="1700" dirty="0" err="1"/>
               <a:t>Compute</a:t>
             </a:r>
             <a:r>
-              <a:rPr lang="de-DE" sz="1200" dirty="0" smtClean="0"/>
+              <a:rPr lang="de-DE" sz="1700" dirty="0"/>
               <a:t> </a:t>
             </a:r>
             <a:r>
-              <a:rPr lang="de-DE" sz="1200" dirty="0" err="1" smtClean="0"/>
+              <a:rPr lang="de-DE" sz="1700" dirty="0" err="1"/>
               <a:t>Sinks</a:t>
             </a:r>
             <a:r>
-              <a:rPr lang="de-DE" sz="1200" dirty="0" smtClean="0"/>
+              <a:rPr lang="de-DE" sz="1700" dirty="0"/>
               <a:t> </a:t>
             </a:r>
             <a:r>
-              <a:rPr lang="de-DE" sz="1200" dirty="0" err="1" smtClean="0"/>
+              <a:rPr lang="de-DE" sz="1700" dirty="0" err="1"/>
               <a:t>only</a:t>
             </a:r>
             <a:r>
-              <a:rPr lang="de-DE" sz="1200" dirty="0" smtClean="0"/>
+              <a:rPr lang="de-DE" sz="1700" dirty="0"/>
               <a:t> Model (SOM)</a:t>
             </a:r>
-            <a:endParaRPr lang="de-DE" sz="1200" dirty="0"/>
           </a:p>
         </p:txBody>
       </p:sp>
@@ -3729,8 +3728,8 @@
         </p:nvSpPr>
         <p:spPr>
           <a:xfrm>
-            <a:off x="6012160" y="1700808"/>
-            <a:ext cx="1728192" cy="646331"/>
+            <a:off x="8345016" y="2352328"/>
+            <a:ext cx="2419469" cy="914096"/>
           </a:xfrm>
           <a:prstGeom prst="rect">
             <a:avLst/>
@@ -3738,46 +3737,46 @@
           <a:noFill/>
         </p:spPr>
         <p:txBody>
-          <a:bodyPr wrap="square" rtlCol="0">
+          <a:bodyPr wrap="square" lIns="128016" tIns="64008" rIns="128016" bIns="64008" rtlCol="0">
             <a:spAutoFit/>
           </a:bodyPr>
           <a:lstStyle/>
           <a:p>
             <a:r>
-              <a:rPr lang="de-DE" sz="1200" b="1" dirty="0" smtClean="0"/>
+              <a:rPr lang="de-DE" sz="1700" b="1" dirty="0"/>
               <a:t>LEGION DEM</a:t>
             </a:r>
           </a:p>
           <a:p>
             <a:r>
-              <a:rPr lang="de-DE" sz="1200" dirty="0" err="1" smtClean="0"/>
+              <a:rPr lang="de-DE" sz="1700" dirty="0" err="1"/>
               <a:t>Compute</a:t>
             </a:r>
             <a:r>
-              <a:rPr lang="de-DE" sz="1200" dirty="0" smtClean="0"/>
+              <a:rPr lang="de-DE" sz="1700" dirty="0"/>
               <a:t> </a:t>
             </a:r>
             <a:r>
-              <a:rPr lang="de-DE" sz="1200" dirty="0" err="1" smtClean="0"/>
+              <a:rPr lang="de-DE" sz="1700" dirty="0" err="1"/>
               <a:t>several</a:t>
             </a:r>
             <a:r>
-              <a:rPr lang="de-DE" sz="1200" dirty="0" smtClean="0"/>
+              <a:rPr lang="de-DE" sz="1700" dirty="0"/>
               <a:t> </a:t>
             </a:r>
             <a:r>
-              <a:rPr lang="de-DE" sz="1200" dirty="0" err="1" smtClean="0"/>
+              <a:rPr lang="de-DE" sz="1700" dirty="0" err="1"/>
               <a:t>artifically</a:t>
             </a:r>
             <a:r>
-              <a:rPr lang="de-DE" sz="1200" dirty="0" smtClean="0"/>
+              <a:rPr lang="de-DE" sz="1700" dirty="0"/>
               <a:t> Raster </a:t>
             </a:r>
             <a:r>
-              <a:rPr lang="de-DE" sz="1200" dirty="0" err="1" smtClean="0"/>
+              <a:rPr lang="de-DE" sz="1700" dirty="0" err="1"/>
               <a:t>Layers</a:t>
             </a:r>
-            <a:endParaRPr lang="de-DE" sz="1200" dirty="0"/>
+            <a:endParaRPr lang="de-DE" sz="1700" dirty="0"/>
           </a:p>
         </p:txBody>
       </p:sp>
@@ -3789,8 +3788,8 @@
         </p:nvSpPr>
         <p:spPr>
           <a:xfrm>
-            <a:off x="611560" y="4221090"/>
-            <a:ext cx="2304256" cy="646331"/>
+            <a:off x="712168" y="6168752"/>
+            <a:ext cx="3312368" cy="652486"/>
           </a:xfrm>
           <a:prstGeom prst="rect">
             <a:avLst/>
@@ -3798,58 +3797,54 @@
           <a:noFill/>
         </p:spPr>
         <p:txBody>
-          <a:bodyPr wrap="square" rtlCol="0">
+          <a:bodyPr wrap="square" lIns="128016" tIns="64008" rIns="128016" bIns="64008" rtlCol="0">
             <a:spAutoFit/>
           </a:bodyPr>
           <a:lstStyle/>
           <a:p>
             <a:r>
-              <a:rPr lang="de-DE" sz="1200" b="1" dirty="0" smtClean="0"/>
+              <a:rPr lang="de-DE" sz="1700" b="1" dirty="0"/>
               <a:t>CENITH HOLLOW SEGMENTATION</a:t>
             </a:r>
           </a:p>
           <a:p>
             <a:r>
-              <a:rPr lang="de-DE" sz="1200" dirty="0" err="1" smtClean="0"/>
-              <a:t>Generate</a:t>
-            </a:r>
-            <a:r>
-              <a:rPr lang="de-DE" sz="1200" dirty="0" smtClean="0"/>
+              <a:rPr lang="de-DE" sz="1700" dirty="0"/>
+              <a:t>P</a:t>
+            </a:r>
+            <a:r>
+              <a:rPr lang="de-DE" sz="1700" dirty="0" smtClean="0"/>
+              <a:t>olygons </a:t>
+            </a:r>
+            <a:r>
+              <a:rPr lang="de-DE" sz="1700" dirty="0" err="1" smtClean="0"/>
+              <a:t>for</a:t>
+            </a:r>
+            <a:r>
+              <a:rPr lang="de-DE" sz="1700" dirty="0" smtClean="0"/>
               <a:t> </a:t>
             </a:r>
             <a:r>
-              <a:rPr lang="de-DE" sz="1200" dirty="0" err="1" smtClean="0"/>
-              <a:t>polygons</a:t>
-            </a:r>
-            <a:r>
-              <a:rPr lang="de-DE" sz="1200" dirty="0" smtClean="0"/>
+              <a:rPr lang="de-DE" sz="1700" dirty="0" err="1"/>
+              <a:t>each</a:t>
+            </a:r>
+            <a:r>
+              <a:rPr lang="de-DE" sz="1700" dirty="0"/>
               <a:t> </a:t>
             </a:r>
             <a:r>
-              <a:rPr lang="de-DE" sz="1200" dirty="0" err="1" smtClean="0"/>
-              <a:t>for</a:t>
-            </a:r>
-            <a:r>
-              <a:rPr lang="de-DE" sz="1200" dirty="0" smtClean="0"/>
+              <a:rPr lang="de-DE" sz="1700" dirty="0" err="1"/>
+              <a:t>hollow</a:t>
+            </a:r>
+            <a:r>
+              <a:rPr lang="de-DE" sz="1700" dirty="0"/>
               <a:t> </a:t>
             </a:r>
             <a:r>
-              <a:rPr lang="de-DE" sz="1200" dirty="0" err="1" smtClean="0"/>
-              <a:t>each</a:t>
-            </a:r>
-            <a:r>
-              <a:rPr lang="de-DE" sz="1200" dirty="0" smtClean="0"/>
-              <a:t> </a:t>
-            </a:r>
-            <a:r>
-              <a:rPr lang="de-DE" sz="1200" dirty="0" err="1" smtClean="0"/>
-              <a:t>hollow</a:t>
-            </a:r>
-            <a:r>
-              <a:rPr lang="de-DE" sz="1200" dirty="0" smtClean="0"/>
-              <a:t> form</a:t>
-            </a:r>
-            <a:endParaRPr lang="de-DE" sz="1200" dirty="0"/>
+              <a:rPr lang="de-DE" sz="1700" dirty="0" smtClean="0"/>
+              <a:t>form</a:t>
+            </a:r>
+            <a:endParaRPr lang="de-DE" sz="1700" dirty="0"/>
           </a:p>
         </p:txBody>
       </p:sp>
@@ -3861,8 +3856,8 @@
         </p:nvSpPr>
         <p:spPr>
           <a:xfrm>
-            <a:off x="1547664" y="3933056"/>
-            <a:ext cx="216024" cy="288032"/>
+            <a:off x="2166729" y="5506278"/>
+            <a:ext cx="302434" cy="403245"/>
           </a:xfrm>
           <a:prstGeom prst="downArrow">
             <a:avLst>
@@ -3888,7 +3883,7 @@
           </a:fontRef>
         </p:style>
         <p:txBody>
-          <a:bodyPr rtlCol="0" anchor="ctr"/>
+          <a:bodyPr lIns="128016" tIns="64008" rIns="128016" bIns="64008" rtlCol="0" anchor="ctr"/>
           <a:lstStyle/>
           <a:p>
             <a:pPr algn="ctr"/>
@@ -3904,8 +3899,8 @@
         </p:nvSpPr>
         <p:spPr>
           <a:xfrm>
-            <a:off x="3275856" y="5373216"/>
-            <a:ext cx="2304256" cy="288032"/>
+            <a:off x="4586199" y="7522502"/>
+            <a:ext cx="3225958" cy="403245"/>
           </a:xfrm>
           <a:prstGeom prst="rightArrow">
             <a:avLst>
@@ -3931,7 +3926,7 @@
           </a:fontRef>
         </p:style>
         <p:txBody>
-          <a:bodyPr rtlCol="0" anchor="ctr"/>
+          <a:bodyPr lIns="128016" tIns="64008" rIns="128016" bIns="64008" rtlCol="0" anchor="ctr"/>
           <a:lstStyle/>
           <a:p>
             <a:pPr algn="ctr"/>
@@ -3947,8 +3942,8 @@
         </p:nvSpPr>
         <p:spPr>
           <a:xfrm>
-            <a:off x="6228184" y="5013178"/>
-            <a:ext cx="1728192" cy="1015663"/>
+            <a:off x="8719458" y="7018450"/>
+            <a:ext cx="2419469" cy="1437317"/>
           </a:xfrm>
           <a:prstGeom prst="rect">
             <a:avLst/>
@@ -3956,98 +3951,97 @@
           <a:noFill/>
         </p:spPr>
         <p:txBody>
-          <a:bodyPr wrap="square" rtlCol="0">
+          <a:bodyPr wrap="square" lIns="128016" tIns="64008" rIns="128016" bIns="64008" rtlCol="0">
             <a:spAutoFit/>
           </a:bodyPr>
           <a:lstStyle/>
           <a:p>
             <a:r>
-              <a:rPr lang="de-DE" sz="1200" b="1" dirty="0" smtClean="0"/>
+              <a:rPr lang="de-DE" sz="1700" b="1" dirty="0"/>
               <a:t>REAVER EXTRACTION</a:t>
             </a:r>
           </a:p>
           <a:p>
             <a:r>
-              <a:rPr lang="de-DE" sz="1200" dirty="0" err="1" smtClean="0"/>
+              <a:rPr lang="de-DE" sz="1700" dirty="0" err="1"/>
               <a:t>Extract</a:t>
             </a:r>
             <a:r>
-              <a:rPr lang="de-DE" sz="1200" dirty="0" smtClean="0"/>
+              <a:rPr lang="de-DE" sz="1700" dirty="0"/>
               <a:t> Values </a:t>
             </a:r>
             <a:r>
-              <a:rPr lang="de-DE" sz="1200" dirty="0" err="1" smtClean="0"/>
+              <a:rPr lang="de-DE" sz="1700" dirty="0" err="1"/>
               <a:t>from</a:t>
             </a:r>
             <a:r>
-              <a:rPr lang="de-DE" sz="1200" dirty="0" smtClean="0"/>
+              <a:rPr lang="de-DE" sz="1700" dirty="0"/>
               <a:t> </a:t>
             </a:r>
             <a:r>
-              <a:rPr lang="de-DE" sz="1200" dirty="0" err="1" smtClean="0"/>
+              <a:rPr lang="de-DE" sz="1700" dirty="0" err="1"/>
               <a:t>artifically</a:t>
             </a:r>
             <a:r>
-              <a:rPr lang="de-DE" sz="1200" dirty="0" smtClean="0"/>
+              <a:rPr lang="de-DE" sz="1700" dirty="0"/>
               <a:t> Raster </a:t>
             </a:r>
             <a:r>
-              <a:rPr lang="de-DE" sz="1200" dirty="0" err="1" smtClean="0"/>
+              <a:rPr lang="de-DE" sz="1700" dirty="0" err="1"/>
               <a:t>Layers</a:t>
             </a:r>
             <a:r>
-              <a:rPr lang="de-DE" sz="1200" dirty="0" smtClean="0"/>
+              <a:rPr lang="de-DE" sz="1700" dirty="0"/>
               <a:t> </a:t>
             </a:r>
             <a:r>
-              <a:rPr lang="de-DE" sz="1200" dirty="0" err="1" smtClean="0"/>
+              <a:rPr lang="de-DE" sz="1700" dirty="0" err="1"/>
               <a:t>for</a:t>
             </a:r>
             <a:r>
-              <a:rPr lang="de-DE" sz="1200" dirty="0" smtClean="0"/>
+              <a:rPr lang="de-DE" sz="1700" dirty="0"/>
               <a:t> </a:t>
             </a:r>
             <a:r>
-              <a:rPr lang="de-DE" sz="1200" dirty="0" err="1" smtClean="0"/>
+              <a:rPr lang="de-DE" sz="1700" dirty="0" err="1"/>
               <a:t>each</a:t>
             </a:r>
             <a:r>
-              <a:rPr lang="de-DE" sz="1200" dirty="0" smtClean="0"/>
+              <a:rPr lang="de-DE" sz="1700" dirty="0"/>
               <a:t> </a:t>
             </a:r>
             <a:r>
-              <a:rPr lang="de-DE" sz="1200" dirty="0" err="1" smtClean="0"/>
+              <a:rPr lang="de-DE" sz="1700" dirty="0" err="1"/>
               <a:t>hollow</a:t>
             </a:r>
             <a:r>
-              <a:rPr lang="de-DE" sz="1200" dirty="0" smtClean="0"/>
+              <a:rPr lang="de-DE" sz="1700" dirty="0"/>
               <a:t> form </a:t>
             </a:r>
             <a:r>
-              <a:rPr lang="de-DE" sz="1200" dirty="0" err="1" smtClean="0"/>
+              <a:rPr lang="de-DE" sz="1700" dirty="0" err="1"/>
               <a:t>using</a:t>
             </a:r>
             <a:r>
-              <a:rPr lang="de-DE" sz="1200" dirty="0" smtClean="0"/>
+              <a:rPr lang="de-DE" sz="1700" dirty="0"/>
               <a:t> </a:t>
             </a:r>
             <a:r>
-              <a:rPr lang="de-DE" sz="1200" dirty="0" err="1" smtClean="0"/>
+              <a:rPr lang="de-DE" sz="1700" dirty="0" err="1"/>
               <a:t>the</a:t>
             </a:r>
             <a:r>
-              <a:rPr lang="de-DE" sz="1200" dirty="0" smtClean="0"/>
+              <a:rPr lang="de-DE" sz="1700" dirty="0"/>
               <a:t> </a:t>
             </a:r>
             <a:r>
-              <a:rPr lang="de-DE" sz="1200" dirty="0" err="1" smtClean="0"/>
+              <a:rPr lang="de-DE" sz="1700" dirty="0" err="1"/>
               <a:t>polygin</a:t>
             </a:r>
             <a:r>
-              <a:rPr lang="de-DE" sz="1200" dirty="0" smtClean="0"/>
+              <a:rPr lang="de-DE" sz="1700" dirty="0"/>
               <a:t> Layer</a:t>
             </a:r>
-            <a:endParaRPr lang="de-DE" sz="1200" dirty="0"/>
           </a:p>
         </p:txBody>
       </p:sp>
@@ -4059,8 +4053,8 @@
         </p:nvSpPr>
         <p:spPr>
           <a:xfrm rot="13317222" flipH="1">
-            <a:off x="5674573" y="1208380"/>
-            <a:ext cx="576064" cy="288032"/>
+            <a:off x="7944402" y="1691732"/>
+            <a:ext cx="806490" cy="403245"/>
           </a:xfrm>
           <a:prstGeom prst="rightArrow">
             <a:avLst>
@@ -4086,7 +4080,7 @@
           </a:fontRef>
         </p:style>
         <p:txBody>
-          <a:bodyPr rtlCol="0" anchor="ctr"/>
+          <a:bodyPr lIns="128016" tIns="64008" rIns="128016" bIns="64008" rtlCol="0" anchor="ctr"/>
           <a:lstStyle/>
           <a:p>
             <a:pPr algn="ctr"/>
@@ -4102,8 +4096,8 @@
         </p:nvSpPr>
         <p:spPr>
           <a:xfrm>
-            <a:off x="6012160" y="4869160"/>
-            <a:ext cx="2232248" cy="1440160"/>
+            <a:off x="8417024" y="6816824"/>
+            <a:ext cx="3125147" cy="2016224"/>
           </a:xfrm>
           <a:prstGeom prst="rect">
             <a:avLst/>
@@ -4132,7 +4126,7 @@
           </a:fontRef>
         </p:style>
         <p:txBody>
-          <a:bodyPr rtlCol="0" anchor="ctr"/>
+          <a:bodyPr lIns="128016" tIns="64008" rIns="128016" bIns="64008" rtlCol="0" anchor="ctr"/>
           <a:lstStyle/>
           <a:p>
             <a:pPr algn="ctr"/>
@@ -4148,8 +4142,8 @@
         </p:nvSpPr>
         <p:spPr>
           <a:xfrm>
-            <a:off x="7236296" y="4437112"/>
-            <a:ext cx="216024" cy="288032"/>
+            <a:off x="10130814" y="6211957"/>
+            <a:ext cx="302434" cy="403245"/>
           </a:xfrm>
           <a:prstGeom prst="downArrow">
             <a:avLst>
@@ -4175,7 +4169,7 @@
           </a:fontRef>
         </p:style>
         <p:txBody>
-          <a:bodyPr rtlCol="0" anchor="ctr"/>
+          <a:bodyPr lIns="128016" tIns="64008" rIns="128016" bIns="64008" rtlCol="0" anchor="ctr"/>
           <a:lstStyle/>
           <a:p>
             <a:pPr algn="ctr"/>
@@ -4191,8 +4185,8 @@
         </p:nvSpPr>
         <p:spPr>
           <a:xfrm>
-            <a:off x="323528" y="1412776"/>
-            <a:ext cx="2952328" cy="369332"/>
+            <a:off x="496144" y="1488232"/>
+            <a:ext cx="4133259" cy="517065"/>
           </a:xfrm>
           <a:prstGeom prst="rect">
             <a:avLst/>
@@ -4200,7 +4194,7 @@
           <a:noFill/>
         </p:spPr>
         <p:txBody>
-          <a:bodyPr wrap="square" rtlCol="0">
+          <a:bodyPr wrap="square" lIns="128016" tIns="64008" rIns="128016" bIns="64008" rtlCol="0">
             <a:spAutoFit/>
           </a:bodyPr>
           <a:lstStyle/>
@@ -4229,8 +4223,8 @@
         </p:nvSpPr>
         <p:spPr>
           <a:xfrm>
-            <a:off x="6191672" y="1412776"/>
-            <a:ext cx="2952328" cy="369332"/>
+            <a:off x="8668341" y="1488232"/>
+            <a:ext cx="4133259" cy="517065"/>
           </a:xfrm>
           <a:prstGeom prst="rect">
             <a:avLst/>
@@ -4238,7 +4232,7 @@
           <a:noFill/>
         </p:spPr>
         <p:txBody>
-          <a:bodyPr wrap="square" rtlCol="0">
+          <a:bodyPr wrap="square" lIns="128016" tIns="64008" rIns="128016" bIns="64008" rtlCol="0">
             <a:spAutoFit/>
           </a:bodyPr>
           <a:lstStyle/>
@@ -4263,8 +4257,8 @@
         </p:nvSpPr>
         <p:spPr>
           <a:xfrm>
-            <a:off x="395536" y="188640"/>
-            <a:ext cx="2448272" cy="646331"/>
+            <a:off x="553750" y="264097"/>
+            <a:ext cx="3427581" cy="904863"/>
           </a:xfrm>
           <a:prstGeom prst="rect">
             <a:avLst/>
@@ -4272,7 +4266,7 @@
           <a:noFill/>
         </p:spPr>
         <p:txBody>
-          <a:bodyPr wrap="square" rtlCol="0">
+          <a:bodyPr wrap="square" lIns="128016" tIns="64008" rIns="128016" bIns="64008" rtlCol="0">
             <a:spAutoFit/>
           </a:bodyPr>
           <a:lstStyle/>
@@ -4322,8 +4316,8 @@
         </p:nvSpPr>
         <p:spPr>
           <a:xfrm>
-            <a:off x="323528" y="1412777"/>
-            <a:ext cx="8424936" cy="461665"/>
+            <a:off x="452939" y="1977889"/>
+            <a:ext cx="11794910" cy="652486"/>
           </a:xfrm>
           <a:prstGeom prst="rect">
             <a:avLst/>
@@ -4331,73 +4325,73 @@
           <a:noFill/>
         </p:spPr>
         <p:txBody>
-          <a:bodyPr wrap="square" rtlCol="0">
+          <a:bodyPr wrap="square" lIns="128016" tIns="64008" rIns="128016" bIns="64008" rtlCol="0">
             <a:spAutoFit/>
           </a:bodyPr>
           <a:lstStyle/>
           <a:p>
             <a:pPr algn="ctr"/>
             <a:r>
-              <a:rPr lang="de-DE" sz="1200" b="1" dirty="0" smtClean="0"/>
+              <a:rPr lang="de-DE" sz="1700" b="1" dirty="0"/>
               <a:t>Workflow Data </a:t>
             </a:r>
             <a:r>
-              <a:rPr lang="de-DE" sz="1200" b="1" dirty="0" err="1" smtClean="0"/>
+              <a:rPr lang="de-DE" sz="1700" b="1" dirty="0" err="1"/>
               <a:t>Preprocessing</a:t>
             </a:r>
-            <a:endParaRPr lang="de-DE" sz="1200" b="1" dirty="0" smtClean="0"/>
+            <a:endParaRPr lang="de-DE" sz="1700" b="1" dirty="0"/>
           </a:p>
           <a:p>
             <a:pPr algn="ctr"/>
             <a:r>
-              <a:rPr lang="de-DE" sz="1200" dirty="0" smtClean="0"/>
+              <a:rPr lang="de-DE" sz="1700" dirty="0"/>
               <a:t>All Areas will </a:t>
             </a:r>
             <a:r>
-              <a:rPr lang="de-DE" sz="1200" dirty="0" err="1" smtClean="0"/>
+              <a:rPr lang="de-DE" sz="1700" dirty="0" err="1"/>
               <a:t>be</a:t>
             </a:r>
             <a:r>
-              <a:rPr lang="de-DE" sz="1200" dirty="0" smtClean="0"/>
+              <a:rPr lang="de-DE" sz="1700" dirty="0"/>
               <a:t> </a:t>
             </a:r>
             <a:r>
-              <a:rPr lang="de-DE" sz="1200" dirty="0" err="1" smtClean="0"/>
+              <a:rPr lang="de-DE" sz="1700" dirty="0" err="1"/>
               <a:t>preprocessed</a:t>
             </a:r>
             <a:r>
-              <a:rPr lang="de-DE" sz="1200" dirty="0" smtClean="0"/>
+              <a:rPr lang="de-DE" sz="1700" dirty="0"/>
               <a:t> </a:t>
             </a:r>
             <a:r>
-              <a:rPr lang="de-DE" sz="1200" dirty="0" err="1" smtClean="0"/>
+              <a:rPr lang="de-DE" sz="1700" dirty="0" err="1"/>
               <a:t>with</a:t>
             </a:r>
             <a:r>
-              <a:rPr lang="de-DE" sz="1200" dirty="0" smtClean="0"/>
+              <a:rPr lang="de-DE" sz="1700" dirty="0"/>
               <a:t> </a:t>
             </a:r>
             <a:r>
-              <a:rPr lang="de-DE" sz="1200" dirty="0" err="1" smtClean="0"/>
+              <a:rPr lang="de-DE" sz="1700" dirty="0" err="1"/>
               <a:t>the</a:t>
             </a:r>
             <a:r>
-              <a:rPr lang="de-DE" sz="1200" dirty="0" smtClean="0"/>
+              <a:rPr lang="de-DE" sz="1700" dirty="0"/>
               <a:t> </a:t>
             </a:r>
             <a:r>
-              <a:rPr lang="de-DE" sz="1200" dirty="0" err="1" smtClean="0"/>
+              <a:rPr lang="de-DE" sz="1700" dirty="0" err="1"/>
               <a:t>workflow</a:t>
             </a:r>
             <a:r>
-              <a:rPr lang="de-DE" sz="1200" dirty="0" smtClean="0"/>
+              <a:rPr lang="de-DE" sz="1700" dirty="0"/>
               <a:t> Data </a:t>
             </a:r>
             <a:r>
-              <a:rPr lang="de-DE" sz="1200" dirty="0" err="1" smtClean="0"/>
+              <a:rPr lang="de-DE" sz="1700" dirty="0" err="1"/>
               <a:t>Preprocessing</a:t>
             </a:r>
-            <a:endParaRPr lang="de-DE" sz="1200" dirty="0"/>
+            <a:endParaRPr lang="de-DE" sz="1700" dirty="0"/>
           </a:p>
         </p:txBody>
       </p:sp>
@@ -4409,8 +4403,8 @@
         </p:nvSpPr>
         <p:spPr>
           <a:xfrm>
-            <a:off x="323528" y="1412776"/>
-            <a:ext cx="8424936" cy="504056"/>
+            <a:off x="452939" y="1977887"/>
+            <a:ext cx="11794910" cy="705678"/>
           </a:xfrm>
           <a:prstGeom prst="rect">
             <a:avLst/>
@@ -4439,7 +4433,7 @@
           </a:fontRef>
         </p:style>
         <p:txBody>
-          <a:bodyPr rtlCol="0" anchor="ctr"/>
+          <a:bodyPr lIns="128016" tIns="64008" rIns="128016" bIns="64008" rtlCol="0" anchor="ctr"/>
           <a:lstStyle/>
           <a:p>
             <a:pPr algn="ctr"/>
@@ -4455,8 +4449,8 @@
         </p:nvSpPr>
         <p:spPr>
           <a:xfrm>
-            <a:off x="179512" y="116632"/>
-            <a:ext cx="4392488" cy="369332"/>
+            <a:off x="251317" y="163285"/>
+            <a:ext cx="6149483" cy="517065"/>
           </a:xfrm>
           <a:prstGeom prst="rect">
             <a:avLst/>
@@ -4464,7 +4458,7 @@
           <a:noFill/>
         </p:spPr>
         <p:txBody>
-          <a:bodyPr wrap="square" rtlCol="0">
+          <a:bodyPr wrap="square" lIns="128016" tIns="64008" rIns="128016" bIns="64008" rtlCol="0">
             <a:spAutoFit/>
           </a:bodyPr>
           <a:lstStyle/>
@@ -4493,8 +4487,8 @@
         </p:nvSpPr>
         <p:spPr>
           <a:xfrm>
-            <a:off x="323528" y="692696"/>
-            <a:ext cx="8424936" cy="276999"/>
+            <a:off x="452939" y="969775"/>
+            <a:ext cx="11794910" cy="387799"/>
           </a:xfrm>
           <a:prstGeom prst="rect">
             <a:avLst/>
@@ -4502,16 +4496,16 @@
           <a:noFill/>
         </p:spPr>
         <p:txBody>
-          <a:bodyPr wrap="square" rtlCol="0">
+          <a:bodyPr wrap="square" lIns="128016" tIns="64008" rIns="128016" bIns="64008" rtlCol="0">
             <a:spAutoFit/>
           </a:bodyPr>
           <a:lstStyle/>
           <a:p>
             <a:r>
-              <a:rPr lang="de-DE" sz="1200" b="1" dirty="0" smtClean="0"/>
+              <a:rPr lang="de-DE" sz="1700" b="1" dirty="0"/>
               <a:t>Test Areas                                                                                        Training Areas                                                                           Study Area</a:t>
             </a:r>
-            <a:endParaRPr lang="de-DE" sz="1200" dirty="0"/>
+            <a:endParaRPr lang="de-DE" sz="1700" dirty="0"/>
           </a:p>
         </p:txBody>
       </p:sp>
@@ -4523,8 +4517,8 @@
         </p:nvSpPr>
         <p:spPr>
           <a:xfrm>
-            <a:off x="683568" y="980728"/>
-            <a:ext cx="144016" cy="288032"/>
+            <a:off x="956995" y="1373019"/>
+            <a:ext cx="201622" cy="403245"/>
           </a:xfrm>
           <a:prstGeom prst="downArrow">
             <a:avLst/>
@@ -4547,7 +4541,7 @@
           </a:fontRef>
         </p:style>
         <p:txBody>
-          <a:bodyPr rtlCol="0" anchor="ctr"/>
+          <a:bodyPr lIns="128016" tIns="64008" rIns="128016" bIns="64008" rtlCol="0" anchor="ctr"/>
           <a:lstStyle/>
           <a:p>
             <a:pPr algn="ctr"/>
@@ -4563,8 +4557,8 @@
         </p:nvSpPr>
         <p:spPr>
           <a:xfrm>
-            <a:off x="4499992" y="980728"/>
-            <a:ext cx="144016" cy="288032"/>
+            <a:off x="6299989" y="1373019"/>
+            <a:ext cx="201622" cy="403245"/>
           </a:xfrm>
           <a:prstGeom prst="downArrow">
             <a:avLst/>
@@ -4587,7 +4581,7 @@
           </a:fontRef>
         </p:style>
         <p:txBody>
-          <a:bodyPr rtlCol="0" anchor="ctr"/>
+          <a:bodyPr lIns="128016" tIns="64008" rIns="128016" bIns="64008" rtlCol="0" anchor="ctr"/>
           <a:lstStyle/>
           <a:p>
             <a:pPr algn="ctr"/>
@@ -4603,8 +4597,8 @@
         </p:nvSpPr>
         <p:spPr>
           <a:xfrm>
-            <a:off x="7956376" y="980728"/>
-            <a:ext cx="144016" cy="288032"/>
+            <a:off x="11138927" y="1373019"/>
+            <a:ext cx="201622" cy="403245"/>
           </a:xfrm>
           <a:prstGeom prst="downArrow">
             <a:avLst/>
@@ -4627,7 +4621,7 @@
           </a:fontRef>
         </p:style>
         <p:txBody>
-          <a:bodyPr rtlCol="0" anchor="ctr"/>
+          <a:bodyPr lIns="128016" tIns="64008" rIns="128016" bIns="64008" rtlCol="0" anchor="ctr"/>
           <a:lstStyle/>
           <a:p>
             <a:pPr algn="ctr"/>
@@ -4643,8 +4637,8 @@
         </p:nvSpPr>
         <p:spPr>
           <a:xfrm>
-            <a:off x="683568" y="2060848"/>
-            <a:ext cx="144016" cy="288032"/>
+            <a:off x="956995" y="2885187"/>
+            <a:ext cx="201622" cy="403245"/>
           </a:xfrm>
           <a:prstGeom prst="downArrow">
             <a:avLst/>
@@ -4667,7 +4661,7 @@
           </a:fontRef>
         </p:style>
         <p:txBody>
-          <a:bodyPr rtlCol="0" anchor="ctr"/>
+          <a:bodyPr lIns="128016" tIns="64008" rIns="128016" bIns="64008" rtlCol="0" anchor="ctr"/>
           <a:lstStyle/>
           <a:p>
             <a:pPr algn="ctr"/>
@@ -4683,8 +4677,8 @@
         </p:nvSpPr>
         <p:spPr>
           <a:xfrm>
-            <a:off x="4499992" y="2060848"/>
-            <a:ext cx="144016" cy="288032"/>
+            <a:off x="6299989" y="2885187"/>
+            <a:ext cx="201622" cy="403245"/>
           </a:xfrm>
           <a:prstGeom prst="downArrow">
             <a:avLst/>
@@ -4707,7 +4701,7 @@
           </a:fontRef>
         </p:style>
         <p:txBody>
-          <a:bodyPr rtlCol="0" anchor="ctr"/>
+          <a:bodyPr lIns="128016" tIns="64008" rIns="128016" bIns="64008" rtlCol="0" anchor="ctr"/>
           <a:lstStyle/>
           <a:p>
             <a:pPr algn="ctr"/>
@@ -4723,8 +4717,8 @@
         </p:nvSpPr>
         <p:spPr>
           <a:xfrm>
-            <a:off x="7956376" y="2060848"/>
-            <a:ext cx="144016" cy="288032"/>
+            <a:off x="11138927" y="2885187"/>
+            <a:ext cx="201622" cy="403245"/>
           </a:xfrm>
           <a:prstGeom prst="downArrow">
             <a:avLst/>
@@ -4747,7 +4741,7 @@
           </a:fontRef>
         </p:style>
         <p:txBody>
-          <a:bodyPr rtlCol="0" anchor="ctr"/>
+          <a:bodyPr lIns="128016" tIns="64008" rIns="128016" bIns="64008" rtlCol="0" anchor="ctr"/>
           <a:lstStyle/>
           <a:p>
             <a:pPr algn="ctr"/>
@@ -4763,8 +4757,8 @@
         </p:nvSpPr>
         <p:spPr>
           <a:xfrm>
-            <a:off x="395536" y="2420888"/>
-            <a:ext cx="8424936" cy="276999"/>
+            <a:off x="553751" y="3389244"/>
+            <a:ext cx="11794910" cy="387799"/>
           </a:xfrm>
           <a:prstGeom prst="rect">
             <a:avLst/>
@@ -4772,24 +4766,16 @@
           <a:noFill/>
         </p:spPr>
         <p:txBody>
-          <a:bodyPr wrap="square" rtlCol="0">
+          <a:bodyPr wrap="square" lIns="128016" tIns="64008" rIns="128016" bIns="64008" rtlCol="0">
             <a:spAutoFit/>
           </a:bodyPr>
           <a:lstStyle/>
           <a:p>
             <a:r>
-              <a:rPr lang="de-DE" sz="1200" b="1" dirty="0" smtClean="0"/>
-              <a:t>Test-Dataset                                                                                 Training-Dataset                                                                   Study</a:t>
-            </a:r>
-            <a:r>
-              <a:rPr lang="de-DE" sz="1200" b="1" dirty="0" smtClean="0"/>
-              <a:t>-</a:t>
-            </a:r>
-            <a:r>
-              <a:rPr lang="de-DE" sz="1200" b="1" dirty="0" smtClean="0"/>
-              <a:t>Dataset                                  </a:t>
-            </a:r>
-            <a:endParaRPr lang="de-DE" sz="1200" dirty="0"/>
+              <a:rPr lang="de-DE" sz="1700" b="1" dirty="0"/>
+              <a:t>Test-Dataset                                                                                 Training-Dataset                                                                   Study-Dataset                                  </a:t>
+            </a:r>
+            <a:endParaRPr lang="de-DE" sz="1700" dirty="0"/>
           </a:p>
         </p:txBody>
       </p:sp>
@@ -4801,8 +4787,8 @@
         </p:nvSpPr>
         <p:spPr>
           <a:xfrm>
-            <a:off x="1619672" y="4941168"/>
-            <a:ext cx="2160240" cy="646331"/>
+            <a:off x="2267541" y="6917636"/>
+            <a:ext cx="3024336" cy="914096"/>
           </a:xfrm>
           <a:prstGeom prst="rect">
             <a:avLst/>
@@ -4810,42 +4796,41 @@
           <a:noFill/>
         </p:spPr>
         <p:txBody>
-          <a:bodyPr wrap="square" rtlCol="0">
+          <a:bodyPr wrap="square" lIns="128016" tIns="64008" rIns="128016" bIns="64008" rtlCol="0">
             <a:spAutoFit/>
           </a:bodyPr>
           <a:lstStyle/>
           <a:p>
             <a:r>
-              <a:rPr lang="de-DE" sz="1200" b="1" dirty="0" smtClean="0"/>
+              <a:rPr lang="de-DE" sz="1700" b="1" dirty="0"/>
               <a:t>REAVER HYPERSPACE</a:t>
             </a:r>
           </a:p>
           <a:p>
             <a:r>
-              <a:rPr lang="de-DE" sz="1200" dirty="0" err="1" smtClean="0"/>
+              <a:rPr lang="de-DE" sz="1700" dirty="0" err="1"/>
               <a:t>Performs</a:t>
             </a:r>
             <a:r>
-              <a:rPr lang="de-DE" sz="1200" dirty="0" smtClean="0"/>
+              <a:rPr lang="de-DE" sz="1700" dirty="0"/>
               <a:t> Ordination </a:t>
             </a:r>
             <a:r>
-              <a:rPr lang="de-DE" sz="1200" dirty="0" err="1" smtClean="0"/>
+              <a:rPr lang="de-DE" sz="1700" dirty="0" err="1"/>
               <a:t>and</a:t>
             </a:r>
             <a:r>
-              <a:rPr lang="de-DE" sz="1200" dirty="0" smtClean="0"/>
+              <a:rPr lang="de-DE" sz="1700" dirty="0"/>
               <a:t> Clusteranalysis </a:t>
             </a:r>
             <a:r>
-              <a:rPr lang="de-DE" sz="1200" dirty="0" err="1" smtClean="0"/>
+              <a:rPr lang="de-DE" sz="1700" dirty="0" err="1"/>
               <a:t>with</a:t>
             </a:r>
             <a:r>
-              <a:rPr lang="de-DE" sz="1200" dirty="0" smtClean="0"/>
+              <a:rPr lang="de-DE" sz="1700" dirty="0"/>
               <a:t> 3 Clusters</a:t>
             </a:r>
-            <a:endParaRPr lang="de-DE" sz="1200" dirty="0"/>
           </a:p>
         </p:txBody>
       </p:sp>
@@ -4857,8 +4842,8 @@
         </p:nvSpPr>
         <p:spPr>
           <a:xfrm>
-            <a:off x="1619672" y="4869160"/>
-            <a:ext cx="2016224" cy="720080"/>
+            <a:off x="2267541" y="6816824"/>
+            <a:ext cx="2822714" cy="1008112"/>
           </a:xfrm>
           <a:prstGeom prst="rect">
             <a:avLst/>
@@ -4887,7 +4872,7 @@
           </a:fontRef>
         </p:style>
         <p:txBody>
-          <a:bodyPr rtlCol="0" anchor="ctr"/>
+          <a:bodyPr lIns="128016" tIns="64008" rIns="128016" bIns="64008" rtlCol="0" anchor="ctr"/>
           <a:lstStyle/>
           <a:p>
             <a:pPr algn="ctr"/>
@@ -4903,8 +4888,8 @@
         </p:nvSpPr>
         <p:spPr>
           <a:xfrm>
-            <a:off x="1619672" y="3501008"/>
-            <a:ext cx="2232248" cy="646331"/>
+            <a:off x="2267541" y="4901412"/>
+            <a:ext cx="3125147" cy="914096"/>
           </a:xfrm>
           <a:prstGeom prst="rect">
             <a:avLst/>
@@ -4912,42 +4897,41 @@
           <a:noFill/>
         </p:spPr>
         <p:txBody>
-          <a:bodyPr wrap="square" rtlCol="0">
+          <a:bodyPr wrap="square" lIns="128016" tIns="64008" rIns="128016" bIns="64008" rtlCol="0">
             <a:spAutoFit/>
           </a:bodyPr>
           <a:lstStyle/>
           <a:p>
             <a:r>
-              <a:rPr lang="de-DE" sz="1200" b="1" dirty="0" smtClean="0"/>
+              <a:rPr lang="de-DE" sz="1700" b="1" dirty="0"/>
               <a:t>REAVER HYPERSPACE</a:t>
             </a:r>
           </a:p>
           <a:p>
             <a:r>
-              <a:rPr lang="de-DE" sz="1200" dirty="0" err="1" smtClean="0"/>
+              <a:rPr lang="de-DE" sz="1700" dirty="0" err="1"/>
               <a:t>Performs</a:t>
             </a:r>
             <a:r>
-              <a:rPr lang="de-DE" sz="1200" dirty="0" smtClean="0"/>
+              <a:rPr lang="de-DE" sz="1700" dirty="0"/>
               <a:t> Ordination </a:t>
             </a:r>
             <a:r>
-              <a:rPr lang="de-DE" sz="1200" dirty="0" err="1" smtClean="0"/>
+              <a:rPr lang="de-DE" sz="1700" dirty="0" err="1"/>
               <a:t>and</a:t>
             </a:r>
             <a:r>
-              <a:rPr lang="de-DE" sz="1200" dirty="0" smtClean="0"/>
+              <a:rPr lang="de-DE" sz="1700" dirty="0"/>
               <a:t> Clusteranalysis </a:t>
             </a:r>
             <a:r>
-              <a:rPr lang="de-DE" sz="1200" dirty="0" err="1" smtClean="0"/>
+              <a:rPr lang="de-DE" sz="1700" dirty="0" err="1"/>
               <a:t>with</a:t>
             </a:r>
             <a:r>
-              <a:rPr lang="de-DE" sz="1200" dirty="0" smtClean="0"/>
+              <a:rPr lang="de-DE" sz="1700" dirty="0"/>
               <a:t> 3 Clusters</a:t>
             </a:r>
-            <a:endParaRPr lang="de-DE" sz="1200" dirty="0"/>
           </a:p>
         </p:txBody>
       </p:sp>
@@ -4959,8 +4943,8 @@
         </p:nvSpPr>
         <p:spPr>
           <a:xfrm>
-            <a:off x="1619672" y="3429000"/>
-            <a:ext cx="2016224" cy="720080"/>
+            <a:off x="2267541" y="4800600"/>
+            <a:ext cx="2822714" cy="1008112"/>
           </a:xfrm>
           <a:prstGeom prst="rect">
             <a:avLst/>
@@ -4989,7 +4973,7 @@
           </a:fontRef>
         </p:style>
         <p:txBody>
-          <a:bodyPr rtlCol="0" anchor="ctr"/>
+          <a:bodyPr lIns="128016" tIns="64008" rIns="128016" bIns="64008" rtlCol="0" anchor="ctr"/>
           <a:lstStyle/>
           <a:p>
             <a:pPr algn="ctr"/>
@@ -5005,8 +4989,8 @@
         </p:nvSpPr>
         <p:spPr>
           <a:xfrm rot="2948566">
-            <a:off x="4166152" y="2794232"/>
-            <a:ext cx="174012" cy="720080"/>
+            <a:off x="5832613" y="3911925"/>
+            <a:ext cx="243617" cy="1008112"/>
           </a:xfrm>
           <a:prstGeom prst="downArrow">
             <a:avLst>
@@ -5032,7 +5016,7 @@
           </a:fontRef>
         </p:style>
         <p:txBody>
-          <a:bodyPr rtlCol="0" anchor="ctr"/>
+          <a:bodyPr lIns="128016" tIns="64008" rIns="128016" bIns="64008" rtlCol="0" anchor="ctr"/>
           <a:lstStyle/>
           <a:p>
             <a:pPr algn="ctr"/>
@@ -5048,8 +5032,8 @@
         </p:nvSpPr>
         <p:spPr>
           <a:xfrm rot="18413247">
-            <a:off x="1008761" y="2706588"/>
-            <a:ext cx="174012" cy="720080"/>
+            <a:off x="1412265" y="3789223"/>
+            <a:ext cx="243617" cy="1008112"/>
           </a:xfrm>
           <a:prstGeom prst="downArrow">
             <a:avLst>
@@ -5075,7 +5059,7 @@
           </a:fontRef>
         </p:style>
         <p:txBody>
-          <a:bodyPr rtlCol="0" anchor="ctr"/>
+          <a:bodyPr lIns="128016" tIns="64008" rIns="128016" bIns="64008" rtlCol="0" anchor="ctr"/>
           <a:lstStyle/>
           <a:p>
             <a:pPr algn="ctr"/>
@@ -5091,8 +5075,8 @@
         </p:nvSpPr>
         <p:spPr>
           <a:xfrm>
-            <a:off x="7956376" y="2924944"/>
-            <a:ext cx="144016" cy="1368152"/>
+            <a:off x="11138927" y="4094922"/>
+            <a:ext cx="201622" cy="1915413"/>
           </a:xfrm>
           <a:prstGeom prst="downArrow">
             <a:avLst/>
@@ -5115,7 +5099,7 @@
           </a:fontRef>
         </p:style>
         <p:txBody>
-          <a:bodyPr rtlCol="0" anchor="ctr"/>
+          <a:bodyPr lIns="128016" tIns="64008" rIns="128016" bIns="64008" rtlCol="0" anchor="ctr"/>
           <a:lstStyle/>
           <a:p>
             <a:pPr algn="ctr"/>
@@ -5131,8 +5115,8 @@
         </p:nvSpPr>
         <p:spPr>
           <a:xfrm>
-            <a:off x="6948264" y="4941168"/>
-            <a:ext cx="2160240" cy="646331"/>
+            <a:off x="9727570" y="6917636"/>
+            <a:ext cx="3024336" cy="914096"/>
           </a:xfrm>
           <a:prstGeom prst="rect">
             <a:avLst/>
@@ -5140,42 +5124,41 @@
           <a:noFill/>
         </p:spPr>
         <p:txBody>
-          <a:bodyPr wrap="square" rtlCol="0">
+          <a:bodyPr wrap="square" lIns="128016" tIns="64008" rIns="128016" bIns="64008" rtlCol="0">
             <a:spAutoFit/>
           </a:bodyPr>
           <a:lstStyle/>
           <a:p>
             <a:r>
-              <a:rPr lang="de-DE" sz="1200" b="1" dirty="0" smtClean="0"/>
+              <a:rPr lang="de-DE" sz="1700" b="1" dirty="0"/>
               <a:t>REAVER HYPERSPACE</a:t>
             </a:r>
           </a:p>
           <a:p>
             <a:r>
-              <a:rPr lang="de-DE" sz="1200" dirty="0" err="1" smtClean="0"/>
+              <a:rPr lang="de-DE" sz="1700" dirty="0" err="1"/>
               <a:t>Performs</a:t>
             </a:r>
             <a:r>
-              <a:rPr lang="de-DE" sz="1200" dirty="0" smtClean="0"/>
+              <a:rPr lang="de-DE" sz="1700" dirty="0"/>
               <a:t> Ordination </a:t>
             </a:r>
             <a:r>
-              <a:rPr lang="de-DE" sz="1200" dirty="0" err="1" smtClean="0"/>
+              <a:rPr lang="de-DE" sz="1700" dirty="0" err="1"/>
               <a:t>and</a:t>
             </a:r>
             <a:r>
-              <a:rPr lang="de-DE" sz="1200" dirty="0" smtClean="0"/>
+              <a:rPr lang="de-DE" sz="1700" dirty="0"/>
               <a:t> Clusteranalysis </a:t>
             </a:r>
             <a:r>
-              <a:rPr lang="de-DE" sz="1200" dirty="0" err="1" smtClean="0"/>
+              <a:rPr lang="de-DE" sz="1700" dirty="0" err="1"/>
               <a:t>with</a:t>
             </a:r>
             <a:r>
-              <a:rPr lang="de-DE" sz="1200" dirty="0" smtClean="0"/>
+              <a:rPr lang="de-DE" sz="1700" dirty="0"/>
               <a:t> 3 Clusters</a:t>
             </a:r>
-            <a:endParaRPr lang="de-DE" sz="1200" dirty="0"/>
           </a:p>
         </p:txBody>
       </p:sp>
@@ -5187,8 +5170,8 @@
         </p:nvSpPr>
         <p:spPr>
           <a:xfrm>
-            <a:off x="6948264" y="4869160"/>
-            <a:ext cx="2016224" cy="720080"/>
+            <a:off x="9727569" y="6816824"/>
+            <a:ext cx="2822714" cy="1008112"/>
           </a:xfrm>
           <a:prstGeom prst="rect">
             <a:avLst/>
@@ -5217,7 +5200,7 @@
           </a:fontRef>
         </p:style>
         <p:txBody>
-          <a:bodyPr rtlCol="0" anchor="ctr"/>
+          <a:bodyPr lIns="128016" tIns="64008" rIns="128016" bIns="64008" rtlCol="0" anchor="ctr"/>
           <a:lstStyle/>
           <a:p>
             <a:pPr algn="ctr"/>
@@ -5233,8 +5216,8 @@
         </p:nvSpPr>
         <p:spPr>
           <a:xfrm>
-            <a:off x="1691680" y="4581128"/>
-            <a:ext cx="2232248" cy="276999"/>
+            <a:off x="2368352" y="6413580"/>
+            <a:ext cx="3125147" cy="387799"/>
           </a:xfrm>
           <a:prstGeom prst="rect">
             <a:avLst/>
@@ -5242,17 +5225,17 @@
           <a:noFill/>
         </p:spPr>
         <p:txBody>
-          <a:bodyPr wrap="square" rtlCol="0">
+          <a:bodyPr wrap="square" lIns="128016" tIns="64008" rIns="128016" bIns="64008" rtlCol="0">
             <a:spAutoFit/>
           </a:bodyPr>
           <a:lstStyle/>
           <a:p>
             <a:r>
-              <a:rPr lang="de-DE" sz="1200" b="1" dirty="0" err="1" smtClean="0"/>
+              <a:rPr lang="de-DE" sz="1700" b="1" dirty="0" err="1"/>
               <a:t>Validated</a:t>
             </a:r>
             <a:r>
-              <a:rPr lang="de-DE" sz="1200" b="1" dirty="0" smtClean="0"/>
+              <a:rPr lang="de-DE" sz="1700" b="1" dirty="0"/>
               <a:t> Training Dataset</a:t>
             </a:r>
           </a:p>
@@ -5266,8 +5249,8 @@
         </p:nvSpPr>
         <p:spPr>
           <a:xfrm>
-            <a:off x="1835696" y="3140968"/>
-            <a:ext cx="2232248" cy="276999"/>
+            <a:off x="2569975" y="4397356"/>
+            <a:ext cx="3125147" cy="387799"/>
           </a:xfrm>
           <a:prstGeom prst="rect">
             <a:avLst/>
@@ -5275,17 +5258,17 @@
           <a:noFill/>
         </p:spPr>
         <p:txBody>
-          <a:bodyPr wrap="square" rtlCol="0">
+          <a:bodyPr wrap="square" lIns="128016" tIns="64008" rIns="128016" bIns="64008" rtlCol="0">
             <a:spAutoFit/>
           </a:bodyPr>
           <a:lstStyle/>
           <a:p>
             <a:r>
-              <a:rPr lang="de-DE" sz="1200" b="1" dirty="0" err="1" smtClean="0"/>
+              <a:rPr lang="de-DE" sz="1700" b="1" dirty="0" err="1"/>
               <a:t>Testing</a:t>
             </a:r>
             <a:r>
-              <a:rPr lang="de-DE" sz="1200" b="1" dirty="0" smtClean="0"/>
+              <a:rPr lang="de-DE" sz="1700" b="1" dirty="0"/>
               <a:t> Cluster Quality</a:t>
             </a:r>
           </a:p>
@@ -5299,8 +5282,8 @@
         </p:nvSpPr>
         <p:spPr>
           <a:xfrm>
-            <a:off x="7524328" y="4581128"/>
-            <a:ext cx="2232248" cy="276999"/>
+            <a:off x="10534059" y="6413580"/>
+            <a:ext cx="3125147" cy="387799"/>
           </a:xfrm>
           <a:prstGeom prst="rect">
             <a:avLst/>
@@ -5308,16 +5291,16 @@
           <a:noFill/>
         </p:spPr>
         <p:txBody>
-          <a:bodyPr wrap="square" rtlCol="0">
+          <a:bodyPr wrap="square" lIns="128016" tIns="64008" rIns="128016" bIns="64008" rtlCol="0">
             <a:spAutoFit/>
           </a:bodyPr>
           <a:lstStyle/>
           <a:p>
             <a:r>
-              <a:rPr lang="de-DE" sz="1200" b="1" dirty="0" err="1" smtClean="0"/>
+              <a:rPr lang="de-DE" sz="1700" b="1" dirty="0" err="1"/>
               <a:t>Prediction</a:t>
             </a:r>
-            <a:endParaRPr lang="de-DE" sz="1200" b="1" dirty="0" smtClean="0"/>
+            <a:endParaRPr lang="de-DE" sz="1700" b="1" dirty="0"/>
           </a:p>
         </p:txBody>
       </p:sp>
@@ -5329,8 +5312,8 @@
         </p:nvSpPr>
         <p:spPr>
           <a:xfrm rot="16200000">
-            <a:off x="5112060" y="3969060"/>
-            <a:ext cx="144016" cy="2520280"/>
+            <a:off x="7156884" y="5556684"/>
+            <a:ext cx="201622" cy="3528392"/>
           </a:xfrm>
           <a:prstGeom prst="downArrow">
             <a:avLst/>
@@ -5353,7 +5336,7 @@
           </a:fontRef>
         </p:style>
         <p:txBody>
-          <a:bodyPr rtlCol="0" anchor="ctr"/>
+          <a:bodyPr lIns="128016" tIns="64008" rIns="128016" bIns="64008" rtlCol="0" anchor="ctr"/>
           <a:lstStyle/>
           <a:p>
             <a:pPr algn="ctr"/>
@@ -5369,8 +5352,8 @@
         </p:nvSpPr>
         <p:spPr>
           <a:xfrm>
-            <a:off x="2483768" y="4221088"/>
-            <a:ext cx="144016" cy="288032"/>
+            <a:off x="3477275" y="5909523"/>
+            <a:ext cx="201622" cy="403245"/>
           </a:xfrm>
           <a:prstGeom prst="downArrow">
             <a:avLst/>
@@ -5393,7 +5376,7 @@
           </a:fontRef>
         </p:style>
         <p:txBody>
-          <a:bodyPr rtlCol="0" anchor="ctr"/>
+          <a:bodyPr lIns="128016" tIns="64008" rIns="128016" bIns="64008" rtlCol="0" anchor="ctr"/>
           <a:lstStyle/>
           <a:p>
             <a:pPr algn="ctr"/>
